--- a/1.Indian_Government_Dataset_Analysis/Indian_Government_Dataset_Analysis.pptx
+++ b/1.Indian_Government_Dataset_Analysis/Indian_Government_Dataset_Analysis.pptx
@@ -11,13 +11,16 @@
     <p:sldId id="262" r:id="rId5"/>
     <p:sldId id="258" r:id="rId6"/>
     <p:sldId id="259" r:id="rId7"/>
-    <p:sldId id="260" r:id="rId8"/>
-    <p:sldId id="263" r:id="rId9"/>
-    <p:sldId id="264" r:id="rId10"/>
-    <p:sldId id="265" r:id="rId11"/>
-    <p:sldId id="266" r:id="rId12"/>
-    <p:sldId id="268" r:id="rId13"/>
-    <p:sldId id="261" r:id="rId14"/>
+    <p:sldId id="263" r:id="rId8"/>
+    <p:sldId id="264" r:id="rId9"/>
+    <p:sldId id="265" r:id="rId10"/>
+    <p:sldId id="269" r:id="rId11"/>
+    <p:sldId id="270" r:id="rId12"/>
+    <p:sldId id="271" r:id="rId13"/>
+    <p:sldId id="272" r:id="rId14"/>
+    <p:sldId id="266" r:id="rId15"/>
+    <p:sldId id="268" r:id="rId16"/>
+    <p:sldId id="261" r:id="rId17"/>
   </p:sldIdLst>
   <p:sldSz cx="9144000" cy="6858000" type="screen4x3"/>
   <p:notesSz cx="6858000" cy="9144000"/>
@@ -3846,7 +3849,7 @@
         </p:spPr>
         <p:txBody>
           <a:bodyPr>
-            <a:normAutofit/>
+            <a:normAutofit fontScale="90000"/>
           </a:bodyPr>
           <a:lstStyle/>
           <a:p>
@@ -3855,6 +3858,16 @@
                 <a:spcPct val="100000"/>
               </a:lnSpc>
             </a:pPr>
+            <a:br>
+              <a:rPr lang="en-IN" sz="5800" dirty="0">
+                <a:latin typeface="Androgyne" panose="05080000000003050000" pitchFamily="82" charset="0"/>
+              </a:rPr>
+            </a:br>
+            <a:br>
+              <a:rPr lang="en-US" sz="5800" dirty="0">
+                <a:latin typeface="Androgyne" panose="05080000000003050000" pitchFamily="82" charset="0"/>
+              </a:rPr>
+            </a:br>
             <a:r>
               <a:rPr sz="5800" dirty="0">
                 <a:latin typeface="Androgyne" panose="05080000000003050000" pitchFamily="82" charset="0"/>
@@ -4087,7 +4100,7 @@
         </p:blipFill>
         <p:spPr bwMode="auto">
           <a:xfrm>
-            <a:off x="616254" y="5837982"/>
+            <a:off x="629123" y="5889875"/>
             <a:ext cx="153165" cy="144156"/>
           </a:xfrm>
           <a:prstGeom prst="rect">
@@ -4127,7 +4140,7 @@
         </p:blipFill>
         <p:spPr>
           <a:xfrm>
-            <a:off x="605747" y="5252764"/>
+            <a:off x="605747" y="5308296"/>
             <a:ext cx="199921" cy="107353"/>
           </a:xfrm>
           <a:prstGeom prst="rect">
@@ -4157,7 +4170,7 @@
         </p:blipFill>
         <p:spPr>
           <a:xfrm>
-            <a:off x="579424" y="5503209"/>
+            <a:off x="593697" y="5530975"/>
             <a:ext cx="252565" cy="243574"/>
           </a:xfrm>
           <a:prstGeom prst="rect">
@@ -4250,7 +4263,7 @@
         <p:cNvPr id="1" name="">
           <a:extLst>
             <a:ext uri="{FF2B5EF4-FFF2-40B4-BE49-F238E27FC236}">
-              <a16:creationId xmlns:a16="http://schemas.microsoft.com/office/drawing/2014/main" id="{C16B9F86-ACB3-7FCE-53CB-96505D64999C}"/>
+              <a16:creationId xmlns:a16="http://schemas.microsoft.com/office/drawing/2014/main" id="{8453970D-926A-6B72-DE2C-5BEC463EDA61}"/>
             </a:ext>
           </a:extLst>
         </p:cNvPr>
@@ -4270,7 +4283,7 @@
           <p:cNvPr id="2" name="Title 1">
             <a:extLst>
               <a:ext uri="{FF2B5EF4-FFF2-40B4-BE49-F238E27FC236}">
-                <a16:creationId xmlns:a16="http://schemas.microsoft.com/office/drawing/2014/main" id="{85FFC2CB-7EFE-5848-E355-AA2270B34ADB}"/>
+                <a16:creationId xmlns:a16="http://schemas.microsoft.com/office/drawing/2014/main" id="{0640B7A3-8160-4211-029F-0D0DB69B3DBD}"/>
               </a:ext>
             </a:extLst>
           </p:cNvPr>
@@ -4292,7 +4305,7 @@
               <a:rPr lang="en-US" dirty="0">
                 <a:latin typeface="Androgyne" panose="05080000000003050000" pitchFamily="82" charset="0"/>
               </a:rPr>
-              <a:t>Heatmap of Monthly Average Prices by Year</a:t>
+              <a:t>Top 5 Markets by Average Onion Price</a:t>
             </a:r>
             <a:endParaRPr dirty="0">
               <a:latin typeface="Androgyne" panose="05080000000003050000" pitchFamily="82" charset="0"/>
@@ -4302,10 +4315,10 @@
       </p:sp>
       <p:pic>
         <p:nvPicPr>
-          <p:cNvPr id="7" name="Picture 6">
+          <p:cNvPr id="4" name="Picture 3">
             <a:extLst>
               <a:ext uri="{FF2B5EF4-FFF2-40B4-BE49-F238E27FC236}">
-                <a16:creationId xmlns:a16="http://schemas.microsoft.com/office/drawing/2014/main" id="{CD034EDC-C4E0-64B2-E506-7DA9CE6A7A49}"/>
+                <a16:creationId xmlns:a16="http://schemas.microsoft.com/office/drawing/2014/main" id="{03BC30F9-44F6-F907-DC4C-D850518EF713}"/>
               </a:ext>
             </a:extLst>
           </p:cNvPr>
@@ -4322,8 +4335,8 @@
         </p:blipFill>
         <p:spPr>
           <a:xfrm>
-            <a:off x="1140542" y="1901324"/>
-            <a:ext cx="6676104" cy="3454354"/>
+            <a:off x="1032387" y="1881861"/>
+            <a:ext cx="6580381" cy="3175717"/>
           </a:xfrm>
           <a:prstGeom prst="rect">
             <a:avLst/>
@@ -4332,10 +4345,10 @@
       </p:pic>
       <p:sp>
         <p:nvSpPr>
-          <p:cNvPr id="8" name="Rectangle 1">
+          <p:cNvPr id="6" name="Rectangle 2">
             <a:extLst>
               <a:ext uri="{FF2B5EF4-FFF2-40B4-BE49-F238E27FC236}">
-                <a16:creationId xmlns:a16="http://schemas.microsoft.com/office/drawing/2014/main" id="{5A7DE8AE-99CC-58ED-2BDD-B149B45134E4}"/>
+                <a16:creationId xmlns:a16="http://schemas.microsoft.com/office/drawing/2014/main" id="{051CBC6E-18DB-D4A5-2C34-9BD37D2AE982}"/>
               </a:ext>
             </a:extLst>
           </p:cNvPr>
@@ -4346,8 +4359,8 @@
         </p:nvSpPr>
         <p:spPr bwMode="auto">
           <a:xfrm>
-            <a:off x="798653" y="5355678"/>
-            <a:ext cx="7546693" cy="923330"/>
+            <a:off x="688258" y="5349914"/>
+            <a:ext cx="8016938" cy="646331"/>
           </a:xfrm>
           <a:prstGeom prst="rect">
             <a:avLst/>
@@ -4387,7 +4400,7 @@
           </a:extLst>
         </p:spPr>
         <p:txBody>
-          <a:bodyPr vert="horz" wrap="square" lIns="91440" tIns="45720" rIns="91440" bIns="45720" numCol="1" anchor="ctr" anchorCtr="0" compatLnSpc="1">
+          <a:bodyPr vert="horz" wrap="none" lIns="91440" tIns="45720" rIns="91440" bIns="45720" numCol="1" anchor="ctr" anchorCtr="0" compatLnSpc="1">
             <a:prstTxWarp prst="textNoShape">
               <a:avLst/>
             </a:prstTxWarp>
@@ -4395,7 +4408,7 @@
           </a:bodyPr>
           <a:lstStyle/>
           <a:p>
-            <a:pPr marL="0" marR="0" lvl="0" indent="0" algn="just" defTabSz="914400" rtl="0" eaLnBrk="0" fontAlgn="base" latinLnBrk="0" hangingPunct="0">
+            <a:pPr marL="0" marR="0" lvl="0" indent="0" algn="l" defTabSz="914400" rtl="0" eaLnBrk="0" fontAlgn="base" latinLnBrk="0" hangingPunct="0">
               <a:lnSpc>
                 <a:spcPct val="100000"/>
               </a:lnSpc>
@@ -4422,11 +4435,11 @@
                 <a:effectLst/>
                 <a:latin typeface="Androgyne" panose="05080000000003050000" pitchFamily="82" charset="0"/>
               </a:rPr>
-              <a:t>This heatmap shows the correlation between years and months in terms of average onion prices. </a:t>
-            </a:r>
-          </a:p>
-          <a:p>
-            <a:pPr marL="0" marR="0" lvl="0" indent="0" algn="just" defTabSz="914400" rtl="0" eaLnBrk="0" fontAlgn="base" latinLnBrk="0" hangingPunct="0">
+              <a:t>This bar plot shows the markets with the highest average onion prices.</a:t>
+            </a:r>
+          </a:p>
+          <a:p>
+            <a:pPr marL="0" marR="0" lvl="0" indent="0" algn="l" defTabSz="914400" rtl="0" eaLnBrk="0" fontAlgn="base" latinLnBrk="0" hangingPunct="0">
               <a:lnSpc>
                 <a:spcPct val="100000"/>
               </a:lnSpc>
@@ -4453,7 +4466,7 @@
                 <a:effectLst/>
                 <a:latin typeface="Androgyne" panose="05080000000003050000" pitchFamily="82" charset="0"/>
               </a:rPr>
-              <a:t>It helps identify seasonal patterns and year-to-year price variations. </a:t>
+              <a:t>It highlights premium markets where onion prices are consistently higher.</a:t>
             </a:r>
           </a:p>
         </p:txBody>
@@ -4461,7 +4474,7 @@
     </p:spTree>
     <p:extLst>
       <p:ext uri="{BB962C8B-B14F-4D97-AF65-F5344CB8AC3E}">
-        <p14:creationId xmlns:p14="http://schemas.microsoft.com/office/powerpoint/2010/main" val="3000673495"/>
+        <p14:creationId xmlns:p14="http://schemas.microsoft.com/office/powerpoint/2010/main" val="1469855595"/>
       </p:ext>
     </p:extLst>
   </p:cSld>
@@ -4476,248 +4489,10 @@
   <p:cSld>
     <p:spTree>
       <p:nvGrpSpPr>
-        <p:cNvPr id="1" name=""/>
-        <p:cNvGrpSpPr/>
-        <p:nvPr/>
-      </p:nvGrpSpPr>
-      <p:grpSpPr>
-        <a:xfrm>
-          <a:off x="0" y="0"/>
-          <a:ext cx="0" cy="0"/>
-          <a:chOff x="0" y="0"/>
-          <a:chExt cx="0" cy="0"/>
-        </a:xfrm>
-      </p:grpSpPr>
-      <p:sp>
-        <p:nvSpPr>
-          <p:cNvPr id="2" name="Title 1">
-            <a:extLst>
-              <a:ext uri="{FF2B5EF4-FFF2-40B4-BE49-F238E27FC236}">
-                <a16:creationId xmlns:a16="http://schemas.microsoft.com/office/drawing/2014/main" id="{867C4A0F-2190-ABCF-045D-4F6373DEB8A6}"/>
-              </a:ext>
-            </a:extLst>
-          </p:cNvPr>
-          <p:cNvSpPr>
-            <a:spLocks noGrp="1"/>
-          </p:cNvSpPr>
-          <p:nvPr>
-            <p:ph type="title"/>
-          </p:nvPr>
-        </p:nvSpPr>
-        <p:spPr>
-          <a:xfrm>
-            <a:off x="457200" y="447686"/>
-            <a:ext cx="8229600" cy="1143000"/>
-          </a:xfrm>
-        </p:spPr>
-        <p:txBody>
-          <a:bodyPr/>
-          <a:lstStyle/>
-          <a:p>
-            <a:r>
-              <a:rPr lang="en-IN" dirty="0">
-                <a:latin typeface="Androgyne" panose="05080000000003050000" pitchFamily="82" charset="0"/>
-              </a:rPr>
-              <a:t>Dataset Observation</a:t>
-            </a:r>
-          </a:p>
-        </p:txBody>
-      </p:sp>
-      <p:sp>
-        <p:nvSpPr>
-          <p:cNvPr id="3" name="TextBox 2">
-            <a:extLst>
-              <a:ext uri="{FF2B5EF4-FFF2-40B4-BE49-F238E27FC236}">
-                <a16:creationId xmlns:a16="http://schemas.microsoft.com/office/drawing/2014/main" id="{A5550282-F628-3DA4-4341-0DD90A8D7744}"/>
-              </a:ext>
-            </a:extLst>
-          </p:cNvPr>
-          <p:cNvSpPr txBox="1"/>
-          <p:nvPr/>
-        </p:nvSpPr>
-        <p:spPr>
-          <a:xfrm>
-            <a:off x="334298" y="1897626"/>
-            <a:ext cx="8495070" cy="5078313"/>
-          </a:xfrm>
-          <a:prstGeom prst="rect">
-            <a:avLst/>
-          </a:prstGeom>
-          <a:noFill/>
-        </p:spPr>
-        <p:txBody>
-          <a:bodyPr wrap="square" rtlCol="0">
-            <a:spAutoFit/>
-          </a:bodyPr>
-          <a:lstStyle/>
-          <a:p>
-            <a:pPr algn="just"/>
-            <a:r>
-              <a:rPr lang="en-US" u="sng" dirty="0">
-                <a:latin typeface="Androgyne" panose="05080000000003050000" pitchFamily="82" charset="0"/>
-              </a:rPr>
-              <a:t>1. Date Range &amp; Missing Data:</a:t>
-            </a:r>
-          </a:p>
-          <a:p>
-            <a:pPr algn="just"/>
-            <a:r>
-              <a:rPr lang="en-US" dirty="0">
-                <a:latin typeface="Androgyne" panose="05080000000003050000" pitchFamily="82" charset="0"/>
-              </a:rPr>
-              <a:t>   - The dataset covers onion prices from 2020 to 2025.</a:t>
-            </a:r>
-          </a:p>
-          <a:p>
-            <a:pPr algn="just"/>
-            <a:r>
-              <a:rPr lang="en-US" dirty="0">
-                <a:latin typeface="Androgyne" panose="05080000000003050000" pitchFamily="82" charset="0"/>
-              </a:rPr>
-              <a:t>   - Some missing values exist in the </a:t>
-            </a:r>
-            <a:r>
-              <a:rPr lang="en-US" dirty="0" err="1">
-                <a:latin typeface="Androgyne" panose="05080000000003050000" pitchFamily="82" charset="0"/>
-              </a:rPr>
-              <a:t>Arrival_Date</a:t>
-            </a:r>
-            <a:r>
-              <a:rPr lang="en-US" dirty="0">
-                <a:latin typeface="Androgyne" panose="05080000000003050000" pitchFamily="82" charset="0"/>
-              </a:rPr>
-              <a:t> column.</a:t>
-            </a:r>
-          </a:p>
-          <a:p>
-            <a:pPr algn="just"/>
-            <a:endParaRPr lang="en-US" dirty="0">
-              <a:latin typeface="Androgyne" panose="05080000000003050000" pitchFamily="82" charset="0"/>
-            </a:endParaRPr>
-          </a:p>
-          <a:p>
-            <a:pPr algn="just"/>
-            <a:r>
-              <a:rPr lang="en-US" u="sng" dirty="0">
-                <a:latin typeface="Androgyne" panose="05080000000003050000" pitchFamily="82" charset="0"/>
-              </a:rPr>
-              <a:t>2. Price Trends &amp; Statistics:</a:t>
-            </a:r>
-          </a:p>
-          <a:p>
-            <a:pPr algn="just"/>
-            <a:r>
-              <a:rPr lang="en-US" dirty="0">
-                <a:latin typeface="Androgyne" panose="05080000000003050000" pitchFamily="82" charset="0"/>
-              </a:rPr>
-              <a:t>   - The minimum, maximum, and modal prices of onions show fluctuations over time.</a:t>
-            </a:r>
-          </a:p>
-          <a:p>
-            <a:pPr algn="just"/>
-            <a:r>
-              <a:rPr lang="en-US" dirty="0">
-                <a:latin typeface="Androgyne" panose="05080000000003050000" pitchFamily="82" charset="0"/>
-              </a:rPr>
-              <a:t>   - The average modal price varies yearly , indicating possible seasonal or market-driven trends.</a:t>
-            </a:r>
-          </a:p>
-          <a:p>
-            <a:pPr algn="just"/>
-            <a:endParaRPr lang="en-US" dirty="0">
-              <a:latin typeface="Androgyne" panose="05080000000003050000" pitchFamily="82" charset="0"/>
-            </a:endParaRPr>
-          </a:p>
-          <a:p>
-            <a:pPr algn="just"/>
-            <a:r>
-              <a:rPr lang="en-US" u="sng" dirty="0">
-                <a:latin typeface="Androgyne" panose="05080000000003050000" pitchFamily="82" charset="0"/>
-              </a:rPr>
-              <a:t>3. Variety Analysis:</a:t>
-            </a:r>
-          </a:p>
-          <a:p>
-            <a:pPr algn="just"/>
-            <a:r>
-              <a:rPr lang="en-US" dirty="0">
-                <a:latin typeface="Androgyne" panose="05080000000003050000" pitchFamily="82" charset="0"/>
-              </a:rPr>
-              <a:t>   - Multiple onion varieties are recorded in the dataset.</a:t>
-            </a:r>
-          </a:p>
-          <a:p>
-            <a:pPr algn="just"/>
-            <a:r>
-              <a:rPr lang="en-US" dirty="0">
-                <a:latin typeface="Androgyne" panose="05080000000003050000" pitchFamily="82" charset="0"/>
-              </a:rPr>
-              <a:t>   - Some varieties are more frequently listed, as seen in the Variety </a:t>
-            </a:r>
-            <a:r>
-              <a:rPr lang="en-US" dirty="0" err="1">
-                <a:latin typeface="Androgyne" panose="05080000000003050000" pitchFamily="82" charset="0"/>
-              </a:rPr>
-              <a:t>Countplot</a:t>
-            </a:r>
-            <a:r>
-              <a:rPr lang="en-US" dirty="0">
-                <a:latin typeface="Androgyne" panose="05080000000003050000" pitchFamily="82" charset="0"/>
-              </a:rPr>
-              <a:t>.</a:t>
-            </a:r>
-          </a:p>
-          <a:p>
-            <a:pPr algn="just"/>
-            <a:r>
-              <a:rPr lang="en-US" dirty="0">
-                <a:latin typeface="Androgyne" panose="05080000000003050000" pitchFamily="82" charset="0"/>
-              </a:rPr>
-              <a:t>   - The price distribution varies by variety, with some having a wider range of prices.</a:t>
-            </a:r>
-          </a:p>
-          <a:p>
-            <a:pPr algn="just"/>
-            <a:endParaRPr lang="en-US" dirty="0">
-              <a:latin typeface="Androgyne" panose="05080000000003050000" pitchFamily="82" charset="0"/>
-            </a:endParaRPr>
-          </a:p>
-          <a:p>
-            <a:pPr algn="just"/>
-            <a:endParaRPr lang="en-US" dirty="0">
-              <a:latin typeface="Androgyne" panose="05080000000003050000" pitchFamily="82" charset="0"/>
-            </a:endParaRPr>
-          </a:p>
-          <a:p>
-            <a:pPr algn="just"/>
-            <a:endParaRPr lang="en-IN" dirty="0">
-              <a:latin typeface="Androgyne" panose="05080000000003050000" pitchFamily="82" charset="0"/>
-            </a:endParaRPr>
-          </a:p>
-        </p:txBody>
-      </p:sp>
-    </p:spTree>
-    <p:extLst>
-      <p:ext uri="{BB962C8B-B14F-4D97-AF65-F5344CB8AC3E}">
-        <p14:creationId xmlns:p14="http://schemas.microsoft.com/office/powerpoint/2010/main" val="1790661597"/>
-      </p:ext>
-    </p:extLst>
-  </p:cSld>
-  <p:clrMapOvr>
-    <a:masterClrMapping/>
-  </p:clrMapOvr>
-</p:sld>
-</file>
-
-<file path=ppt/slides/slide12.xml><?xml version="1.0" encoding="utf-8"?>
-<p:sld xmlns:a="http://schemas.openxmlformats.org/drawingml/2006/main" xmlns:r="http://schemas.openxmlformats.org/officeDocument/2006/relationships" xmlns:p="http://schemas.openxmlformats.org/presentationml/2006/main">
-  <p:cSld>
-    <p:spTree>
-      <p:nvGrpSpPr>
         <p:cNvPr id="1" name="">
           <a:extLst>
             <a:ext uri="{FF2B5EF4-FFF2-40B4-BE49-F238E27FC236}">
-              <a16:creationId xmlns:a16="http://schemas.microsoft.com/office/drawing/2014/main" id="{BD9974F9-EB62-6D1C-B6B6-E7DC10458D59}"/>
+              <a16:creationId xmlns:a16="http://schemas.microsoft.com/office/drawing/2014/main" id="{3E98AC8B-D184-0EF6-4C40-929B074C700C}"/>
             </a:ext>
           </a:extLst>
         </p:cNvPr>
@@ -4737,7 +4512,7 @@
           <p:cNvPr id="2" name="Title 1">
             <a:extLst>
               <a:ext uri="{FF2B5EF4-FFF2-40B4-BE49-F238E27FC236}">
-                <a16:creationId xmlns:a16="http://schemas.microsoft.com/office/drawing/2014/main" id="{DF68D448-C101-8884-4EC5-0B38A632B216}"/>
+                <a16:creationId xmlns:a16="http://schemas.microsoft.com/office/drawing/2014/main" id="{90644F2C-515D-D2CE-A431-729555AD694F}"/>
               </a:ext>
             </a:extLst>
           </p:cNvPr>
@@ -4748,871 +4523,6 @@
             <p:ph type="title"/>
           </p:nvPr>
         </p:nvSpPr>
-        <p:spPr>
-          <a:xfrm>
-            <a:off x="457200" y="447686"/>
-            <a:ext cx="8229600" cy="1143000"/>
-          </a:xfrm>
-        </p:spPr>
-        <p:txBody>
-          <a:bodyPr/>
-          <a:lstStyle/>
-          <a:p>
-            <a:r>
-              <a:rPr lang="en-IN" dirty="0">
-                <a:latin typeface="Androgyne" panose="05080000000003050000" pitchFamily="82" charset="0"/>
-              </a:rPr>
-              <a:t>Dataset Observation</a:t>
-            </a:r>
-          </a:p>
-        </p:txBody>
-      </p:sp>
-      <p:sp>
-        <p:nvSpPr>
-          <p:cNvPr id="3" name="TextBox 2">
-            <a:extLst>
-              <a:ext uri="{FF2B5EF4-FFF2-40B4-BE49-F238E27FC236}">
-                <a16:creationId xmlns:a16="http://schemas.microsoft.com/office/drawing/2014/main" id="{C128BE8D-F50B-66D6-C43A-4A1BE364C385}"/>
-              </a:ext>
-            </a:extLst>
-          </p:cNvPr>
-          <p:cNvSpPr txBox="1"/>
-          <p:nvPr/>
-        </p:nvSpPr>
-        <p:spPr>
-          <a:xfrm>
-            <a:off x="334298" y="1897626"/>
-            <a:ext cx="8495070" cy="3416320"/>
-          </a:xfrm>
-          <a:prstGeom prst="rect">
-            <a:avLst/>
-          </a:prstGeom>
-          <a:noFill/>
-        </p:spPr>
-        <p:txBody>
-          <a:bodyPr wrap="square" rtlCol="0">
-            <a:spAutoFit/>
-          </a:bodyPr>
-          <a:lstStyle/>
-          <a:p>
-            <a:pPr algn="just"/>
-            <a:r>
-              <a:rPr lang="en-US" u="sng" dirty="0">
-                <a:latin typeface="Androgyne" panose="05080000000003050000" pitchFamily="82" charset="0"/>
-              </a:rPr>
-              <a:t>4. Distribution Insights:</a:t>
-            </a:r>
-          </a:p>
-          <a:p>
-            <a:pPr algn="just"/>
-            <a:r>
-              <a:rPr lang="en-US" dirty="0">
-                <a:latin typeface="Androgyne" panose="05080000000003050000" pitchFamily="82" charset="0"/>
-              </a:rPr>
-              <a:t>   - The histogram of minimum prices suggests that most onion prices fall within a certain range.</a:t>
-            </a:r>
-          </a:p>
-          <a:p>
-            <a:pPr algn="just"/>
-            <a:r>
-              <a:rPr lang="en-US" dirty="0">
-                <a:latin typeface="Androgyne" panose="05080000000003050000" pitchFamily="82" charset="0"/>
-              </a:rPr>
-              <a:t> - The violin and boxplots indicate price spread and outliers among different varieties.</a:t>
-            </a:r>
-          </a:p>
-          <a:p>
-            <a:pPr algn="just"/>
-            <a:endParaRPr lang="en-US" dirty="0">
-              <a:latin typeface="Androgyne" panose="05080000000003050000" pitchFamily="82" charset="0"/>
-            </a:endParaRPr>
-          </a:p>
-          <a:p>
-            <a:pPr algn="just"/>
-            <a:r>
-              <a:rPr lang="en-US" u="sng" dirty="0">
-                <a:latin typeface="Androgyne" panose="05080000000003050000" pitchFamily="82" charset="0"/>
-              </a:rPr>
-              <a:t>5. Trend Over Time:</a:t>
-            </a:r>
-          </a:p>
-          <a:p>
-            <a:pPr algn="just"/>
-            <a:r>
-              <a:rPr lang="en-US" dirty="0">
-                <a:latin typeface="Androgyne" panose="05080000000003050000" pitchFamily="82" charset="0"/>
-              </a:rPr>
-              <a:t>   - The line chart of average price per year shows a possible rising or fluctuating trend.</a:t>
-            </a:r>
-          </a:p>
-          <a:p>
-            <a:pPr algn="just"/>
-            <a:r>
-              <a:rPr lang="en-US" dirty="0">
-                <a:latin typeface="Androgyne" panose="05080000000003050000" pitchFamily="82" charset="0"/>
-              </a:rPr>
-              <a:t>   - Peak or dip years might be correlated with supply-chain issues, demand surges, or external factors.</a:t>
-            </a:r>
-          </a:p>
-          <a:p>
-            <a:pPr algn="just"/>
-            <a:endParaRPr lang="en-IN" dirty="0">
-              <a:latin typeface="Androgyne" panose="05080000000003050000" pitchFamily="82" charset="0"/>
-            </a:endParaRPr>
-          </a:p>
-        </p:txBody>
-      </p:sp>
-    </p:spTree>
-    <p:extLst>
-      <p:ext uri="{BB962C8B-B14F-4D97-AF65-F5344CB8AC3E}">
-        <p14:creationId xmlns:p14="http://schemas.microsoft.com/office/powerpoint/2010/main" val="2457681786"/>
-      </p:ext>
-    </p:extLst>
-  </p:cSld>
-  <p:clrMapOvr>
-    <a:masterClrMapping/>
-  </p:clrMapOvr>
-</p:sld>
-</file>
-
-<file path=ppt/slides/slide13.xml><?xml version="1.0" encoding="utf-8"?>
-<p:sld xmlns:a="http://schemas.openxmlformats.org/drawingml/2006/main" xmlns:r="http://schemas.openxmlformats.org/officeDocument/2006/relationships" xmlns:p="http://schemas.openxmlformats.org/presentationml/2006/main">
-  <p:cSld>
-    <p:spTree>
-      <p:nvGrpSpPr>
-        <p:cNvPr id="1" name=""/>
-        <p:cNvGrpSpPr/>
-        <p:nvPr/>
-      </p:nvGrpSpPr>
-      <p:grpSpPr>
-        <a:xfrm>
-          <a:off x="0" y="0"/>
-          <a:ext cx="0" cy="0"/>
-          <a:chOff x="0" y="0"/>
-          <a:chExt cx="0" cy="0"/>
-        </a:xfrm>
-      </p:grpSpPr>
-      <p:sp>
-        <p:nvSpPr>
-          <p:cNvPr id="2" name="Title 1"/>
-          <p:cNvSpPr>
-            <a:spLocks noGrp="1"/>
-          </p:cNvSpPr>
-          <p:nvPr>
-            <p:ph type="title"/>
-          </p:nvPr>
-        </p:nvSpPr>
-        <p:spPr/>
-        <p:txBody>
-          <a:bodyPr/>
-          <a:lstStyle/>
-          <a:p>
-            <a:r>
-              <a:rPr dirty="0">
-                <a:latin typeface="Androgyne" panose="05080000000003050000" pitchFamily="82" charset="0"/>
-              </a:rPr>
-              <a:t>Conclusion</a:t>
-            </a:r>
-          </a:p>
-        </p:txBody>
-      </p:sp>
-      <p:sp>
-        <p:nvSpPr>
-          <p:cNvPr id="3" name="Content Placeholder 2"/>
-          <p:cNvSpPr>
-            <a:spLocks noGrp="1"/>
-          </p:cNvSpPr>
-          <p:nvPr>
-            <p:ph idx="1"/>
-          </p:nvPr>
-        </p:nvSpPr>
-        <p:spPr>
-          <a:xfrm>
-            <a:off x="822960" y="1964015"/>
-            <a:ext cx="7543801" cy="4023360"/>
-          </a:xfrm>
-        </p:spPr>
-        <p:txBody>
-          <a:bodyPr/>
-          <a:lstStyle/>
-          <a:p>
-            <a:pPr algn="just">
-              <a:buFont typeface="Arial" panose="020B0604020202020204" pitchFamily="34" charset="0"/>
-              <a:buChar char="•"/>
-            </a:pPr>
-            <a:r>
-              <a:rPr dirty="0">
-                <a:latin typeface="Androgyne" panose="05080000000003050000" pitchFamily="82" charset="0"/>
-              </a:rPr>
-              <a:t>Onion prices show seasonal variations and volatility over the years.</a:t>
-            </a:r>
-          </a:p>
-          <a:p>
-            <a:pPr algn="just">
-              <a:buFont typeface="Arial" panose="020B0604020202020204" pitchFamily="34" charset="0"/>
-              <a:buChar char="•"/>
-            </a:pPr>
-            <a:r>
-              <a:rPr dirty="0">
-                <a:latin typeface="Androgyne" panose="05080000000003050000" pitchFamily="82" charset="0"/>
-              </a:rPr>
-              <a:t>Certain states dominate the market with frequent entries.</a:t>
-            </a:r>
-          </a:p>
-          <a:p>
-            <a:pPr algn="just">
-              <a:buFont typeface="Arial" panose="020B0604020202020204" pitchFamily="34" charset="0"/>
-              <a:buChar char="•"/>
-            </a:pPr>
-            <a:r>
-              <a:rPr dirty="0">
-                <a:latin typeface="Androgyne" panose="05080000000003050000" pitchFamily="82" charset="0"/>
-              </a:rPr>
-              <a:t>Understanding these trends can help in better market forecasting and decision-making.</a:t>
-            </a:r>
-          </a:p>
-        </p:txBody>
-      </p:sp>
-    </p:spTree>
-  </p:cSld>
-  <p:clrMapOvr>
-    <a:masterClrMapping/>
-  </p:clrMapOvr>
-</p:sld>
-</file>
-
-<file path=ppt/slides/slide2.xml><?xml version="1.0" encoding="utf-8"?>
-<p:sld xmlns:a="http://schemas.openxmlformats.org/drawingml/2006/main" xmlns:r="http://schemas.openxmlformats.org/officeDocument/2006/relationships" xmlns:p="http://schemas.openxmlformats.org/presentationml/2006/main">
-  <p:cSld>
-    <p:spTree>
-      <p:nvGrpSpPr>
-        <p:cNvPr id="1" name=""/>
-        <p:cNvGrpSpPr/>
-        <p:nvPr/>
-      </p:nvGrpSpPr>
-      <p:grpSpPr>
-        <a:xfrm>
-          <a:off x="0" y="0"/>
-          <a:ext cx="0" cy="0"/>
-          <a:chOff x="0" y="0"/>
-          <a:chExt cx="0" cy="0"/>
-        </a:xfrm>
-      </p:grpSpPr>
-      <p:sp>
-        <p:nvSpPr>
-          <p:cNvPr id="2" name="Title 1"/>
-          <p:cNvSpPr>
-            <a:spLocks noGrp="1"/>
-          </p:cNvSpPr>
-          <p:nvPr>
-            <p:ph type="title"/>
-          </p:nvPr>
-        </p:nvSpPr>
-        <p:spPr/>
-        <p:txBody>
-          <a:bodyPr/>
-          <a:lstStyle/>
-          <a:p>
-            <a:r>
-              <a:rPr dirty="0">
-                <a:latin typeface="Androgyne" panose="05080000000003050000" pitchFamily="82" charset="0"/>
-              </a:rPr>
-              <a:t>Introduction</a:t>
-            </a:r>
-          </a:p>
-        </p:txBody>
-      </p:sp>
-      <p:sp>
-        <p:nvSpPr>
-          <p:cNvPr id="3" name="Content Placeholder 2"/>
-          <p:cNvSpPr>
-            <a:spLocks noGrp="1"/>
-          </p:cNvSpPr>
-          <p:nvPr>
-            <p:ph idx="1"/>
-          </p:nvPr>
-        </p:nvSpPr>
-        <p:spPr>
-          <a:xfrm>
-            <a:off x="714805" y="2002831"/>
-            <a:ext cx="7543801" cy="4023360"/>
-          </a:xfrm>
-        </p:spPr>
-        <p:txBody>
-          <a:bodyPr/>
-          <a:lstStyle/>
-          <a:p>
-            <a:r>
-              <a:rPr dirty="0">
-                <a:latin typeface="Androgyne" panose="05080000000003050000" pitchFamily="82" charset="0"/>
-              </a:rPr>
-              <a:t>This presentation provides an analysis of the onion market dataset, covering:</a:t>
-            </a:r>
-          </a:p>
-          <a:p>
-            <a:r>
-              <a:rPr dirty="0">
-                <a:latin typeface="Androgyne" panose="05080000000003050000" pitchFamily="82" charset="0"/>
-              </a:rPr>
-              <a:t>- Price trends over time</a:t>
-            </a:r>
-          </a:p>
-          <a:p>
-            <a:r>
-              <a:rPr dirty="0">
-                <a:latin typeface="Androgyne" panose="05080000000003050000" pitchFamily="82" charset="0"/>
-              </a:rPr>
-              <a:t>- Distribution of prices by year</a:t>
-            </a:r>
-          </a:p>
-          <a:p>
-            <a:r>
-              <a:rPr dirty="0">
-                <a:latin typeface="Androgyne" panose="05080000000003050000" pitchFamily="82" charset="0"/>
-              </a:rPr>
-              <a:t>- Market distribution by state</a:t>
-            </a:r>
-          </a:p>
-          <a:p>
-            <a:r>
-              <a:rPr dirty="0">
-                <a:latin typeface="Androgyne" panose="05080000000003050000" pitchFamily="82" charset="0"/>
-              </a:rPr>
-              <a:t>- Key insights and conclusions</a:t>
-            </a:r>
-          </a:p>
-        </p:txBody>
-      </p:sp>
-    </p:spTree>
-  </p:cSld>
-  <p:clrMapOvr>
-    <a:masterClrMapping/>
-  </p:clrMapOvr>
-</p:sld>
-</file>
-
-<file path=ppt/slides/slide3.xml><?xml version="1.0" encoding="utf-8"?>
-<p:sld xmlns:a="http://schemas.openxmlformats.org/drawingml/2006/main" xmlns:r="http://schemas.openxmlformats.org/officeDocument/2006/relationships" xmlns:p="http://schemas.openxmlformats.org/presentationml/2006/main">
-  <p:cSld>
-    <p:spTree>
-      <p:nvGrpSpPr>
-        <p:cNvPr id="1" name="">
-          <a:extLst>
-            <a:ext uri="{FF2B5EF4-FFF2-40B4-BE49-F238E27FC236}">
-              <a16:creationId xmlns:a16="http://schemas.microsoft.com/office/drawing/2014/main" id="{EF547F37-A788-E3A2-382A-4683D1F5987A}"/>
-            </a:ext>
-          </a:extLst>
-        </p:cNvPr>
-        <p:cNvGrpSpPr/>
-        <p:nvPr/>
-      </p:nvGrpSpPr>
-      <p:grpSpPr>
-        <a:xfrm>
-          <a:off x="0" y="0"/>
-          <a:ext cx="0" cy="0"/>
-          <a:chOff x="0" y="0"/>
-          <a:chExt cx="0" cy="0"/>
-        </a:xfrm>
-      </p:grpSpPr>
-      <p:sp>
-        <p:nvSpPr>
-          <p:cNvPr id="2" name="Title 1">
-            <a:extLst>
-              <a:ext uri="{FF2B5EF4-FFF2-40B4-BE49-F238E27FC236}">
-                <a16:creationId xmlns:a16="http://schemas.microsoft.com/office/drawing/2014/main" id="{38831816-6322-04F2-D978-479ABDBF7633}"/>
-              </a:ext>
-            </a:extLst>
-          </p:cNvPr>
-          <p:cNvSpPr>
-            <a:spLocks noGrp="1"/>
-          </p:cNvSpPr>
-          <p:nvPr>
-            <p:ph type="title"/>
-          </p:nvPr>
-        </p:nvSpPr>
-        <p:spPr/>
-        <p:txBody>
-          <a:bodyPr/>
-          <a:lstStyle/>
-          <a:p>
-            <a:pPr algn="just">
-              <a:buNone/>
-            </a:pPr>
-            <a:r>
-              <a:rPr lang="en-US" b="1" dirty="0">
-                <a:latin typeface="Androgyne" panose="05080000000003050000" pitchFamily="82" charset="0"/>
-              </a:rPr>
-              <a:t>Initial Analysis of the Dataset</a:t>
-            </a:r>
-          </a:p>
-        </p:txBody>
-      </p:sp>
-      <p:sp>
-        <p:nvSpPr>
-          <p:cNvPr id="3" name="Content Placeholder 2">
-            <a:extLst>
-              <a:ext uri="{FF2B5EF4-FFF2-40B4-BE49-F238E27FC236}">
-                <a16:creationId xmlns:a16="http://schemas.microsoft.com/office/drawing/2014/main" id="{4F0EBDD3-AE09-E3EA-514C-5A64899CEE2F}"/>
-              </a:ext>
-            </a:extLst>
-          </p:cNvPr>
-          <p:cNvSpPr>
-            <a:spLocks noGrp="1"/>
-          </p:cNvSpPr>
-          <p:nvPr>
-            <p:ph idx="1"/>
-          </p:nvPr>
-        </p:nvSpPr>
-        <p:spPr>
-          <a:xfrm>
-            <a:off x="822960" y="2003050"/>
-            <a:ext cx="7543801" cy="4023360"/>
-          </a:xfrm>
-        </p:spPr>
-        <p:txBody>
-          <a:bodyPr>
-            <a:normAutofit fontScale="77500" lnSpcReduction="20000"/>
-          </a:bodyPr>
-          <a:lstStyle/>
-          <a:p>
-            <a:pPr algn="just">
-              <a:buNone/>
-            </a:pPr>
-            <a:r>
-              <a:rPr lang="en-US" u="sng" dirty="0">
-                <a:latin typeface="Androgyne" panose="05080000000003050000" pitchFamily="82" charset="0"/>
-              </a:rPr>
-              <a:t>Dataset Overview:</a:t>
-            </a:r>
-          </a:p>
-          <a:p>
-            <a:pPr algn="just">
-              <a:buNone/>
-            </a:pPr>
-            <a:r>
-              <a:rPr lang="en-US" dirty="0">
-                <a:latin typeface="Androgyne" panose="05080000000003050000" pitchFamily="82" charset="0"/>
-              </a:rPr>
-              <a:t>* The dataset contains 5,821 rows and 11 columns.</a:t>
-            </a:r>
-          </a:p>
-          <a:p>
-            <a:pPr algn="just">
-              <a:buNone/>
-            </a:pPr>
-            <a:r>
-              <a:rPr lang="en-US" dirty="0">
-                <a:latin typeface="Androgyne" panose="05080000000003050000" pitchFamily="82" charset="0"/>
-              </a:rPr>
-              <a:t>* It records onion market data from 2020 to 2025 across various states, districts, and markets.</a:t>
-            </a:r>
-          </a:p>
-          <a:p>
-            <a:pPr algn="just">
-              <a:buNone/>
-            </a:pPr>
-            <a:r>
-              <a:rPr lang="en-US" dirty="0">
-                <a:latin typeface="Androgyne" panose="05080000000003050000" pitchFamily="82" charset="0"/>
-              </a:rPr>
-              <a:t>* The dataset has no missing values.</a:t>
-            </a:r>
-          </a:p>
-          <a:p>
-            <a:pPr algn="just">
-              <a:buNone/>
-            </a:pPr>
-            <a:r>
-              <a:rPr lang="en-US" dirty="0">
-                <a:latin typeface="Androgyne" panose="05080000000003050000" pitchFamily="82" charset="0"/>
-              </a:rPr>
-              <a:t>* The data types include text (categorical) and numerical values.</a:t>
-            </a:r>
-          </a:p>
-          <a:p>
-            <a:pPr algn="just">
-              <a:buNone/>
-            </a:pPr>
-            <a:r>
-              <a:rPr lang="en-US" u="sng" dirty="0">
-                <a:latin typeface="Androgyne" panose="05080000000003050000" pitchFamily="82" charset="0"/>
-              </a:rPr>
-              <a:t>Key Analysis:</a:t>
-            </a:r>
-          </a:p>
-          <a:p>
-            <a:pPr algn="just">
-              <a:buNone/>
-            </a:pPr>
-            <a:r>
-              <a:rPr lang="en-US" dirty="0">
-                <a:latin typeface="Androgyne" panose="05080000000003050000" pitchFamily="82" charset="0"/>
-              </a:rPr>
-              <a:t>* State, District, Market: Identifies the location of the market.</a:t>
-            </a:r>
-          </a:p>
-          <a:p>
-            <a:pPr algn="just">
-              <a:buNone/>
-            </a:pPr>
-            <a:r>
-              <a:rPr lang="en-US" dirty="0">
-                <a:latin typeface="Androgyne" panose="05080000000003050000" pitchFamily="82" charset="0"/>
-              </a:rPr>
-              <a:t>* Commodity, Variety, Grade: Describes the type of onion.</a:t>
-            </a:r>
-          </a:p>
-          <a:p>
-            <a:pPr algn="just">
-              <a:buNone/>
-            </a:pPr>
-            <a:r>
-              <a:rPr lang="en-US" dirty="0">
-                <a:latin typeface="Androgyne" panose="05080000000003050000" pitchFamily="82" charset="0"/>
-              </a:rPr>
-              <a:t>* </a:t>
-            </a:r>
-            <a:r>
-              <a:rPr lang="en-US" dirty="0" err="1">
-                <a:latin typeface="Androgyne" panose="05080000000003050000" pitchFamily="82" charset="0"/>
-              </a:rPr>
-              <a:t>Arrival_Date</a:t>
-            </a:r>
-            <a:r>
-              <a:rPr lang="en-US" dirty="0">
-                <a:latin typeface="Androgyne" panose="05080000000003050000" pitchFamily="82" charset="0"/>
-              </a:rPr>
-              <a:t>: Represents the date of the entry (needs conversion to </a:t>
-            </a:r>
-            <a:r>
-              <a:rPr lang="en-US" dirty="0" err="1">
-                <a:latin typeface="Androgyne" panose="05080000000003050000" pitchFamily="82" charset="0"/>
-              </a:rPr>
-              <a:t>DateTime</a:t>
-            </a:r>
-            <a:r>
-              <a:rPr lang="en-US" dirty="0">
-                <a:latin typeface="Androgyne" panose="05080000000003050000" pitchFamily="82" charset="0"/>
-              </a:rPr>
-              <a:t>).</a:t>
-            </a:r>
-          </a:p>
-          <a:p>
-            <a:pPr algn="just">
-              <a:buNone/>
-            </a:pPr>
-            <a:r>
-              <a:rPr lang="en-US" dirty="0">
-                <a:latin typeface="Androgyne" panose="05080000000003050000" pitchFamily="82" charset="0"/>
-              </a:rPr>
-              <a:t>* </a:t>
-            </a:r>
-            <a:r>
-              <a:rPr lang="en-US" dirty="0" err="1">
-                <a:latin typeface="Androgyne" panose="05080000000003050000" pitchFamily="82" charset="0"/>
-              </a:rPr>
-              <a:t>Min_Price</a:t>
-            </a:r>
-            <a:r>
-              <a:rPr lang="en-US" dirty="0">
-                <a:latin typeface="Androgyne" panose="05080000000003050000" pitchFamily="82" charset="0"/>
-              </a:rPr>
-              <a:t>, </a:t>
-            </a:r>
-            <a:r>
-              <a:rPr lang="en-US" dirty="0" err="1">
-                <a:latin typeface="Androgyne" panose="05080000000003050000" pitchFamily="82" charset="0"/>
-              </a:rPr>
-              <a:t>Max_Price</a:t>
-            </a:r>
-            <a:r>
-              <a:rPr lang="en-US" dirty="0">
-                <a:latin typeface="Androgyne" panose="05080000000003050000" pitchFamily="82" charset="0"/>
-              </a:rPr>
-              <a:t>, </a:t>
-            </a:r>
-            <a:r>
-              <a:rPr lang="en-US" dirty="0" err="1">
-                <a:latin typeface="Androgyne" panose="05080000000003050000" pitchFamily="82" charset="0"/>
-              </a:rPr>
-              <a:t>Modal_Price</a:t>
-            </a:r>
-            <a:r>
-              <a:rPr lang="en-US" dirty="0">
-                <a:latin typeface="Androgyne" panose="05080000000003050000" pitchFamily="82" charset="0"/>
-              </a:rPr>
-              <a:t>: Pricing details in the market.</a:t>
-            </a:r>
-          </a:p>
-          <a:p>
-            <a:pPr algn="just">
-              <a:buNone/>
-            </a:pPr>
-            <a:r>
-              <a:rPr lang="en-US" dirty="0">
-                <a:latin typeface="Androgyne" panose="05080000000003050000" pitchFamily="82" charset="0"/>
-              </a:rPr>
-              <a:t>* </a:t>
-            </a:r>
-            <a:r>
-              <a:rPr lang="en-US" dirty="0" err="1">
-                <a:latin typeface="Androgyne" panose="05080000000003050000" pitchFamily="82" charset="0"/>
-              </a:rPr>
-              <a:t>Commodity_Code</a:t>
-            </a:r>
-            <a:r>
-              <a:rPr lang="en-US" dirty="0">
-                <a:latin typeface="Androgyne" panose="05080000000003050000" pitchFamily="82" charset="0"/>
-              </a:rPr>
-              <a:t>: A unique identifier for the commodity</a:t>
-            </a:r>
-            <a:endParaRPr lang="en-IN" dirty="0">
-              <a:latin typeface="Androgyne" panose="05080000000003050000" pitchFamily="82" charset="0"/>
-            </a:endParaRPr>
-          </a:p>
-        </p:txBody>
-      </p:sp>
-    </p:spTree>
-    <p:extLst>
-      <p:ext uri="{BB962C8B-B14F-4D97-AF65-F5344CB8AC3E}">
-        <p14:creationId xmlns:p14="http://schemas.microsoft.com/office/powerpoint/2010/main" val="1211737531"/>
-      </p:ext>
-    </p:extLst>
-  </p:cSld>
-  <p:clrMapOvr>
-    <a:masterClrMapping/>
-  </p:clrMapOvr>
-</p:sld>
-</file>
-
-<file path=ppt/slides/slide4.xml><?xml version="1.0" encoding="utf-8"?>
-<p:sld xmlns:a="http://schemas.openxmlformats.org/drawingml/2006/main" xmlns:r="http://schemas.openxmlformats.org/officeDocument/2006/relationships" xmlns:p="http://schemas.openxmlformats.org/presentationml/2006/main">
-  <p:cSld>
-    <p:spTree>
-      <p:nvGrpSpPr>
-        <p:cNvPr id="1" name=""/>
-        <p:cNvGrpSpPr/>
-        <p:nvPr/>
-      </p:nvGrpSpPr>
-      <p:grpSpPr>
-        <a:xfrm>
-          <a:off x="0" y="0"/>
-          <a:ext cx="0" cy="0"/>
-          <a:chOff x="0" y="0"/>
-          <a:chExt cx="0" cy="0"/>
-        </a:xfrm>
-      </p:grpSpPr>
-      <p:sp>
-        <p:nvSpPr>
-          <p:cNvPr id="2" name="Title 1">
-            <a:extLst>
-              <a:ext uri="{FF2B5EF4-FFF2-40B4-BE49-F238E27FC236}">
-                <a16:creationId xmlns:a16="http://schemas.microsoft.com/office/drawing/2014/main" id="{1224AA44-AD4B-0D4F-FDAA-608614F0FB49}"/>
-              </a:ext>
-            </a:extLst>
-          </p:cNvPr>
-          <p:cNvSpPr>
-            <a:spLocks noGrp="1"/>
-          </p:cNvSpPr>
-          <p:nvPr>
-            <p:ph type="title"/>
-          </p:nvPr>
-        </p:nvSpPr>
-        <p:spPr/>
-        <p:txBody>
-          <a:bodyPr/>
-          <a:lstStyle/>
-          <a:p>
-            <a:r>
-              <a:rPr lang="en-IN" dirty="0">
-                <a:latin typeface="Androgyne" panose="05080000000003050000" pitchFamily="82" charset="0"/>
-              </a:rPr>
-              <a:t>Types of Onions</a:t>
-            </a:r>
-          </a:p>
-        </p:txBody>
-      </p:sp>
-      <p:sp>
-        <p:nvSpPr>
-          <p:cNvPr id="3" name="Content Placeholder 2">
-            <a:extLst>
-              <a:ext uri="{FF2B5EF4-FFF2-40B4-BE49-F238E27FC236}">
-                <a16:creationId xmlns:a16="http://schemas.microsoft.com/office/drawing/2014/main" id="{03B8BE64-C57C-F160-DC45-BC05FA366A52}"/>
-              </a:ext>
-            </a:extLst>
-          </p:cNvPr>
-          <p:cNvSpPr>
-            <a:spLocks noGrp="1"/>
-          </p:cNvSpPr>
-          <p:nvPr>
-            <p:ph idx="1"/>
-          </p:nvPr>
-        </p:nvSpPr>
-        <p:spPr>
-          <a:xfrm>
-            <a:off x="822960" y="1979856"/>
-            <a:ext cx="7543801" cy="4023360"/>
-          </a:xfrm>
-        </p:spPr>
-        <p:txBody>
-          <a:bodyPr>
-            <a:normAutofit fontScale="85000" lnSpcReduction="20000"/>
-          </a:bodyPr>
-          <a:lstStyle/>
-          <a:p>
-            <a:pPr algn="just">
-              <a:buNone/>
-            </a:pPr>
-            <a:r>
-              <a:rPr lang="en-US" dirty="0">
-                <a:latin typeface="Androgyne" panose="05080000000003050000" pitchFamily="82" charset="0"/>
-              </a:rPr>
-              <a:t>🧅 </a:t>
-            </a:r>
-            <a:r>
-              <a:rPr lang="en-US" u="sng" dirty="0">
-                <a:latin typeface="Androgyne" panose="05080000000003050000" pitchFamily="82" charset="0"/>
-              </a:rPr>
-              <a:t>1st Sort</a:t>
-            </a:r>
-          </a:p>
-          <a:p>
-            <a:pPr algn="just">
-              <a:buFont typeface="Arial" panose="020B0604020202020204" pitchFamily="34" charset="0"/>
-              <a:buChar char="•"/>
-            </a:pPr>
-            <a:r>
-              <a:rPr lang="en-US" dirty="0">
-                <a:latin typeface="Androgyne" panose="05080000000003050000" pitchFamily="82" charset="0"/>
-              </a:rPr>
-              <a:t>Higher quality grade: These onions are generally larger, more uniform in size, and have better appearance.</a:t>
-            </a:r>
-          </a:p>
-          <a:p>
-            <a:pPr algn="just">
-              <a:buFont typeface="Arial" panose="020B0604020202020204" pitchFamily="34" charset="0"/>
-              <a:buChar char="•"/>
-            </a:pPr>
-            <a:r>
-              <a:rPr lang="en-US" dirty="0">
-                <a:latin typeface="Androgyne" panose="05080000000003050000" pitchFamily="82" charset="0"/>
-              </a:rPr>
-              <a:t>Premium pricing: They often command higher prices due to their superior quality and better market appeal.</a:t>
-            </a:r>
-          </a:p>
-          <a:p>
-            <a:pPr algn="just">
-              <a:buFont typeface="Arial" panose="020B0604020202020204" pitchFamily="34" charset="0"/>
-              <a:buChar char="•"/>
-            </a:pPr>
-            <a:r>
-              <a:rPr lang="en-US" dirty="0">
-                <a:latin typeface="Androgyne" panose="05080000000003050000" pitchFamily="82" charset="0"/>
-              </a:rPr>
-              <a:t>Preferred for export or direct consumer sales: Used in supermarkets or export markets due to their visual appeal and consistent quality.</a:t>
-            </a:r>
-          </a:p>
-          <a:p>
-            <a:pPr algn="just">
-              <a:buNone/>
-            </a:pPr>
-            <a:r>
-              <a:rPr lang="en-US" dirty="0">
-                <a:latin typeface="Androgyne" panose="05080000000003050000" pitchFamily="82" charset="0"/>
-              </a:rPr>
-              <a:t>🧅 </a:t>
-            </a:r>
-            <a:r>
-              <a:rPr lang="en-US" u="sng" dirty="0">
-                <a:latin typeface="Androgyne" panose="05080000000003050000" pitchFamily="82" charset="0"/>
-              </a:rPr>
-              <a:t>2nd Sort</a:t>
-            </a:r>
-          </a:p>
-          <a:p>
-            <a:pPr algn="just">
-              <a:buFont typeface="Arial" panose="020B0604020202020204" pitchFamily="34" charset="0"/>
-              <a:buChar char="•"/>
-            </a:pPr>
-            <a:r>
-              <a:rPr lang="en-US" dirty="0">
-                <a:latin typeface="Androgyne" panose="05080000000003050000" pitchFamily="82" charset="0"/>
-              </a:rPr>
-              <a:t>Lower quality grade: Smaller or less visually appealing onions, possibly with minor blemishes or irregularities.</a:t>
-            </a:r>
-          </a:p>
-          <a:p>
-            <a:pPr algn="just">
-              <a:buFont typeface="Arial" panose="020B0604020202020204" pitchFamily="34" charset="0"/>
-              <a:buChar char="•"/>
-            </a:pPr>
-            <a:r>
-              <a:rPr lang="en-US" dirty="0">
-                <a:latin typeface="Androgyne" panose="05080000000003050000" pitchFamily="82" charset="0"/>
-              </a:rPr>
-              <a:t>Lower pricing: These are sold at a lower price point.</a:t>
-            </a:r>
-          </a:p>
-          <a:p>
-            <a:pPr algn="just">
-              <a:buFont typeface="Arial" panose="020B0604020202020204" pitchFamily="34" charset="0"/>
-              <a:buChar char="•"/>
-            </a:pPr>
-            <a:r>
-              <a:rPr lang="en-US" dirty="0">
-                <a:latin typeface="Androgyne" panose="05080000000003050000" pitchFamily="82" charset="0"/>
-              </a:rPr>
-              <a:t>Used for processing: Often used in food processing (e.g., onion powder, dehydrated onions) or for local sales.</a:t>
-            </a:r>
-          </a:p>
-          <a:p>
-            <a:pPr algn="just"/>
-            <a:endParaRPr lang="en-IN" dirty="0">
-              <a:latin typeface="Androgyne" panose="05080000000003050000" pitchFamily="82" charset="0"/>
-            </a:endParaRPr>
-          </a:p>
-        </p:txBody>
-      </p:sp>
-    </p:spTree>
-    <p:extLst>
-      <p:ext uri="{BB962C8B-B14F-4D97-AF65-F5344CB8AC3E}">
-        <p14:creationId xmlns:p14="http://schemas.microsoft.com/office/powerpoint/2010/main" val="2442187369"/>
-      </p:ext>
-    </p:extLst>
-  </p:cSld>
-  <p:clrMapOvr>
-    <a:masterClrMapping/>
-  </p:clrMapOvr>
-</p:sld>
-</file>
-
-<file path=ppt/slides/slide5.xml><?xml version="1.0" encoding="utf-8"?>
-<p:sld xmlns:a="http://schemas.openxmlformats.org/drawingml/2006/main" xmlns:r="http://schemas.openxmlformats.org/officeDocument/2006/relationships" xmlns:p="http://schemas.openxmlformats.org/presentationml/2006/main">
-  <p:cSld>
-    <p:spTree>
-      <p:nvGrpSpPr>
-        <p:cNvPr id="1" name=""/>
-        <p:cNvGrpSpPr/>
-        <p:nvPr/>
-      </p:nvGrpSpPr>
-      <p:grpSpPr>
-        <a:xfrm>
-          <a:off x="0" y="0"/>
-          <a:ext cx="0" cy="0"/>
-          <a:chOff x="0" y="0"/>
-          <a:chExt cx="0" cy="0"/>
-        </a:xfrm>
-      </p:grpSpPr>
-      <p:sp>
-        <p:nvSpPr>
-          <p:cNvPr id="2" name="Title 1"/>
-          <p:cNvSpPr>
-            <a:spLocks noGrp="1"/>
-          </p:cNvSpPr>
-          <p:nvPr>
-            <p:ph type="title"/>
-          </p:nvPr>
-        </p:nvSpPr>
         <p:spPr/>
         <p:txBody>
           <a:bodyPr>
@@ -5621,351 +4531,10 @@
           <a:lstStyle/>
           <a:p>
             <a:r>
-              <a:rPr dirty="0">
-                <a:latin typeface="Androgyne" panose="05080000000003050000" pitchFamily="82" charset="0"/>
-              </a:rPr>
-              <a:t>Onion Modal Price Trend Over Time</a:t>
-            </a:r>
-          </a:p>
-        </p:txBody>
-      </p:sp>
-      <p:pic>
-        <p:nvPicPr>
-          <p:cNvPr id="3" name="Picture 2" descr="price_trend.png"/>
-          <p:cNvPicPr>
-            <a:picLocks noChangeAspect="1"/>
-          </p:cNvPicPr>
-          <p:nvPr/>
-        </p:nvPicPr>
-        <p:blipFill>
-          <a:blip r:embed="rId2"/>
-          <a:stretch>
-            <a:fillRect/>
-          </a:stretch>
-        </p:blipFill>
-        <p:spPr>
-          <a:xfrm>
-            <a:off x="727587" y="1770342"/>
-            <a:ext cx="7320116" cy="3660058"/>
-          </a:xfrm>
-          <a:prstGeom prst="rect">
-            <a:avLst/>
-          </a:prstGeom>
-        </p:spPr>
-      </p:pic>
-      <p:sp>
-        <p:nvSpPr>
-          <p:cNvPr id="4" name="TextBox 3"/>
-          <p:cNvSpPr txBox="1"/>
-          <p:nvPr/>
-        </p:nvSpPr>
-        <p:spPr>
-          <a:xfrm>
-            <a:off x="806244" y="5463381"/>
-            <a:ext cx="7423355" cy="646331"/>
-          </a:xfrm>
-          <a:prstGeom prst="rect">
-            <a:avLst/>
-          </a:prstGeom>
-          <a:noFill/>
-        </p:spPr>
-        <p:txBody>
-          <a:bodyPr wrap="square">
-            <a:spAutoFit/>
-          </a:bodyPr>
-          <a:lstStyle/>
-          <a:p>
-            <a:pPr marL="285750" indent="-285750">
-              <a:buFont typeface="Arial" panose="020B0604020202020204" pitchFamily="34" charset="0"/>
-              <a:buChar char="•"/>
-            </a:pPr>
-            <a:r>
-              <a:rPr dirty="0">
-                <a:latin typeface="Androgyne" panose="05080000000003050000" pitchFamily="82" charset="0"/>
-              </a:rPr>
-              <a:t>The price trend shows fluctuations over time, indicating seasonal variations or market influences.</a:t>
-            </a:r>
-          </a:p>
-        </p:txBody>
-      </p:sp>
-    </p:spTree>
-  </p:cSld>
-  <p:clrMapOvr>
-    <a:masterClrMapping/>
-  </p:clrMapOvr>
-</p:sld>
-</file>
-
-<file path=ppt/slides/slide6.xml><?xml version="1.0" encoding="utf-8"?>
-<p:sld xmlns:a="http://schemas.openxmlformats.org/drawingml/2006/main" xmlns:r="http://schemas.openxmlformats.org/officeDocument/2006/relationships" xmlns:p="http://schemas.openxmlformats.org/presentationml/2006/main">
-  <p:cSld>
-    <p:spTree>
-      <p:nvGrpSpPr>
-        <p:cNvPr id="1" name=""/>
-        <p:cNvGrpSpPr/>
-        <p:nvPr/>
-      </p:nvGrpSpPr>
-      <p:grpSpPr>
-        <a:xfrm>
-          <a:off x="0" y="0"/>
-          <a:ext cx="0" cy="0"/>
-          <a:chOff x="0" y="0"/>
-          <a:chExt cx="0" cy="0"/>
-        </a:xfrm>
-      </p:grpSpPr>
-      <p:sp>
-        <p:nvSpPr>
-          <p:cNvPr id="2" name="Title 1"/>
-          <p:cNvSpPr>
-            <a:spLocks noGrp="1"/>
-          </p:cNvSpPr>
-          <p:nvPr>
-            <p:ph type="title"/>
-          </p:nvPr>
-        </p:nvSpPr>
-        <p:spPr/>
-        <p:txBody>
-          <a:bodyPr>
-            <a:normAutofit/>
-          </a:bodyPr>
-          <a:lstStyle/>
-          <a:p>
-            <a:r>
-              <a:rPr dirty="0">
-                <a:latin typeface="Androgyne" panose="05080000000003050000" pitchFamily="82" charset="0"/>
-              </a:rPr>
-              <a:t>Distribution of Onion Prices by Year</a:t>
-            </a:r>
-          </a:p>
-        </p:txBody>
-      </p:sp>
-      <p:pic>
-        <p:nvPicPr>
-          <p:cNvPr id="3" name="Picture 2" descr="yearly_distribution.png"/>
-          <p:cNvPicPr>
-            <a:picLocks noChangeAspect="1"/>
-          </p:cNvPicPr>
-          <p:nvPr/>
-        </p:nvPicPr>
-        <p:blipFill>
-          <a:blip r:embed="rId2"/>
-          <a:stretch>
-            <a:fillRect/>
-          </a:stretch>
-        </p:blipFill>
-        <p:spPr>
-          <a:xfrm>
-            <a:off x="800100" y="1830730"/>
-            <a:ext cx="7543800" cy="3771900"/>
-          </a:xfrm>
-          <a:prstGeom prst="rect">
-            <a:avLst/>
-          </a:prstGeom>
-        </p:spPr>
-      </p:pic>
-      <p:sp>
-        <p:nvSpPr>
-          <p:cNvPr id="4" name="TextBox 3"/>
-          <p:cNvSpPr txBox="1"/>
-          <p:nvPr/>
-        </p:nvSpPr>
-        <p:spPr>
-          <a:xfrm>
-            <a:off x="653846" y="5668962"/>
-            <a:ext cx="7910052" cy="646331"/>
-          </a:xfrm>
-          <a:prstGeom prst="rect">
-            <a:avLst/>
-          </a:prstGeom>
-          <a:noFill/>
-        </p:spPr>
-        <p:txBody>
-          <a:bodyPr wrap="square">
-            <a:spAutoFit/>
-          </a:bodyPr>
-          <a:lstStyle/>
-          <a:p>
-            <a:pPr marL="285750" indent="-285750">
-              <a:buFont typeface="Arial" panose="020B0604020202020204" pitchFamily="34" charset="0"/>
-              <a:buChar char="•"/>
-            </a:pPr>
-            <a:r>
-              <a:rPr dirty="0">
-                <a:latin typeface="Androgyne" panose="05080000000003050000" pitchFamily="82" charset="0"/>
-              </a:rPr>
-              <a:t>The boxplot shows the variation in prices by year, highlighting market volatility.</a:t>
-            </a:r>
-          </a:p>
-        </p:txBody>
-      </p:sp>
-    </p:spTree>
-  </p:cSld>
-  <p:clrMapOvr>
-    <a:masterClrMapping/>
-  </p:clrMapOvr>
-</p:sld>
-</file>
-
-<file path=ppt/slides/slide7.xml><?xml version="1.0" encoding="utf-8"?>
-<p:sld xmlns:a="http://schemas.openxmlformats.org/drawingml/2006/main" xmlns:r="http://schemas.openxmlformats.org/officeDocument/2006/relationships" xmlns:p="http://schemas.openxmlformats.org/presentationml/2006/main">
-  <p:cSld>
-    <p:spTree>
-      <p:nvGrpSpPr>
-        <p:cNvPr id="1" name=""/>
-        <p:cNvGrpSpPr/>
-        <p:nvPr/>
-      </p:nvGrpSpPr>
-      <p:grpSpPr>
-        <a:xfrm>
-          <a:off x="0" y="0"/>
-          <a:ext cx="0" cy="0"/>
-          <a:chOff x="0" y="0"/>
-          <a:chExt cx="0" cy="0"/>
-        </a:xfrm>
-      </p:grpSpPr>
-      <p:sp>
-        <p:nvSpPr>
-          <p:cNvPr id="2" name="Title 1"/>
-          <p:cNvSpPr>
-            <a:spLocks noGrp="1"/>
-          </p:cNvSpPr>
-          <p:nvPr>
-            <p:ph type="title"/>
-          </p:nvPr>
-        </p:nvSpPr>
-        <p:spPr>
-          <a:xfrm>
-            <a:off x="822960" y="278240"/>
-            <a:ext cx="7543800" cy="1450757"/>
-          </a:xfrm>
-        </p:spPr>
-        <p:txBody>
-          <a:bodyPr/>
-          <a:lstStyle/>
-          <a:p>
-            <a:r>
-              <a:rPr dirty="0">
-                <a:latin typeface="Androgyne" panose="05080000000003050000" pitchFamily="82" charset="0"/>
-              </a:rPr>
-              <a:t>States by Market Presence</a:t>
-            </a:r>
-          </a:p>
-        </p:txBody>
-      </p:sp>
-      <p:pic>
-        <p:nvPicPr>
-          <p:cNvPr id="3" name="Picture 2" descr="market_distribution.png"/>
-          <p:cNvPicPr>
-            <a:picLocks noChangeAspect="1"/>
-          </p:cNvPicPr>
-          <p:nvPr/>
-        </p:nvPicPr>
-        <p:blipFill>
-          <a:blip r:embed="rId2"/>
-          <a:stretch>
-            <a:fillRect/>
-          </a:stretch>
-        </p:blipFill>
-        <p:spPr>
-          <a:xfrm>
-            <a:off x="822960" y="1934584"/>
-            <a:ext cx="7133303" cy="3566652"/>
-          </a:xfrm>
-          <a:prstGeom prst="rect">
-            <a:avLst/>
-          </a:prstGeom>
-        </p:spPr>
-      </p:pic>
-      <p:sp>
-        <p:nvSpPr>
-          <p:cNvPr id="4" name="TextBox 3"/>
-          <p:cNvSpPr txBox="1"/>
-          <p:nvPr/>
-        </p:nvSpPr>
-        <p:spPr>
-          <a:xfrm>
-            <a:off x="712839" y="5506818"/>
-            <a:ext cx="8308258" cy="646331"/>
-          </a:xfrm>
-          <a:prstGeom prst="rect">
-            <a:avLst/>
-          </a:prstGeom>
-          <a:noFill/>
-        </p:spPr>
-        <p:txBody>
-          <a:bodyPr wrap="square">
-            <a:spAutoFit/>
-          </a:bodyPr>
-          <a:lstStyle/>
-          <a:p>
-            <a:r>
-              <a:rPr dirty="0">
-                <a:latin typeface="Androgyne" panose="05080000000003050000" pitchFamily="82" charset="0"/>
-              </a:rPr>
-              <a:t>States like Telangana and Maharashtra dominate the market presence, reflecting their significant role in onion trade.</a:t>
-            </a:r>
-          </a:p>
-        </p:txBody>
-      </p:sp>
-    </p:spTree>
-  </p:cSld>
-  <p:clrMapOvr>
-    <a:masterClrMapping/>
-  </p:clrMapOvr>
-</p:sld>
-</file>
-
-<file path=ppt/slides/slide8.xml><?xml version="1.0" encoding="utf-8"?>
-<p:sld xmlns:a="http://schemas.openxmlformats.org/drawingml/2006/main" xmlns:r="http://schemas.openxmlformats.org/officeDocument/2006/relationships" xmlns:p="http://schemas.openxmlformats.org/presentationml/2006/main">
-  <p:cSld>
-    <p:spTree>
-      <p:nvGrpSpPr>
-        <p:cNvPr id="1" name="">
-          <a:extLst>
-            <a:ext uri="{FF2B5EF4-FFF2-40B4-BE49-F238E27FC236}">
-              <a16:creationId xmlns:a16="http://schemas.microsoft.com/office/drawing/2014/main" id="{657A4A82-0035-FD11-7605-7C35300A1CDE}"/>
-            </a:ext>
-          </a:extLst>
-        </p:cNvPr>
-        <p:cNvGrpSpPr/>
-        <p:nvPr/>
-      </p:nvGrpSpPr>
-      <p:grpSpPr>
-        <a:xfrm>
-          <a:off x="0" y="0"/>
-          <a:ext cx="0" cy="0"/>
-          <a:chOff x="0" y="0"/>
-          <a:chExt cx="0" cy="0"/>
-        </a:xfrm>
-      </p:grpSpPr>
-      <p:sp>
-        <p:nvSpPr>
-          <p:cNvPr id="2" name="Title 1">
-            <a:extLst>
-              <a:ext uri="{FF2B5EF4-FFF2-40B4-BE49-F238E27FC236}">
-                <a16:creationId xmlns:a16="http://schemas.microsoft.com/office/drawing/2014/main" id="{87508CE6-0314-B88A-FEDC-61005D19144C}"/>
-              </a:ext>
-            </a:extLst>
-          </p:cNvPr>
-          <p:cNvSpPr>
-            <a:spLocks noGrp="1"/>
-          </p:cNvSpPr>
-          <p:nvPr>
-            <p:ph type="title"/>
-          </p:nvPr>
-        </p:nvSpPr>
-        <p:spPr/>
-        <p:txBody>
-          <a:bodyPr>
-            <a:normAutofit/>
-          </a:bodyPr>
-          <a:lstStyle/>
-          <a:p>
-            <a:r>
-              <a:rPr lang="en-US" dirty="0">
-                <a:latin typeface="Androgyne" panose="05080000000003050000" pitchFamily="82" charset="0"/>
-              </a:rPr>
-              <a:t>Monthly Onion Price Variation (Seasonality)</a:t>
+              <a:rPr lang="en-IN" dirty="0">
+                <a:latin typeface="Androgyne" panose="05080000000003050000" pitchFamily="82" charset="0"/>
+              </a:rPr>
+              <a:t>Market Distribution</a:t>
             </a:r>
             <a:endParaRPr dirty="0">
               <a:latin typeface="Androgyne" panose="05080000000003050000" pitchFamily="82" charset="0"/>
@@ -5975,10 +4544,10 @@
       </p:sp>
       <p:pic>
         <p:nvPicPr>
-          <p:cNvPr id="7" name="Picture 6">
+          <p:cNvPr id="5" name="Picture 4">
             <a:extLst>
               <a:ext uri="{FF2B5EF4-FFF2-40B4-BE49-F238E27FC236}">
-                <a16:creationId xmlns:a16="http://schemas.microsoft.com/office/drawing/2014/main" id="{E8D079D9-2CC9-E006-9F52-0910D80C546B}"/>
+                <a16:creationId xmlns:a16="http://schemas.microsoft.com/office/drawing/2014/main" id="{815A9D79-3EC5-F7B4-B9B6-1C86328C37A7}"/>
               </a:ext>
             </a:extLst>
           </p:cNvPr>
@@ -5995,8 +4564,8 @@
         </p:blipFill>
         <p:spPr>
           <a:xfrm>
-            <a:off x="822960" y="1821585"/>
-            <a:ext cx="7192297" cy="3299055"/>
+            <a:off x="1612490" y="1999799"/>
+            <a:ext cx="5348747" cy="3350115"/>
           </a:xfrm>
           <a:prstGeom prst="rect">
             <a:avLst/>
@@ -6005,10 +4574,10 @@
       </p:pic>
       <p:sp>
         <p:nvSpPr>
-          <p:cNvPr id="8" name="Rectangle 1">
+          <p:cNvPr id="7" name="Rectangle 1">
             <a:extLst>
               <a:ext uri="{FF2B5EF4-FFF2-40B4-BE49-F238E27FC236}">
-                <a16:creationId xmlns:a16="http://schemas.microsoft.com/office/drawing/2014/main" id="{B6707F36-EE9B-4882-9C8C-E56E1FC2A886}"/>
+                <a16:creationId xmlns:a16="http://schemas.microsoft.com/office/drawing/2014/main" id="{DF189746-5CF6-33D3-68DE-BBB0AAAF8300}"/>
               </a:ext>
             </a:extLst>
           </p:cNvPr>
@@ -6019,8 +4588,8 @@
         </p:nvSpPr>
         <p:spPr bwMode="auto">
           <a:xfrm>
-            <a:off x="230907" y="5394871"/>
-            <a:ext cx="8682185" cy="646331"/>
+            <a:off x="822960" y="5466782"/>
+            <a:ext cx="7702686" cy="646331"/>
           </a:xfrm>
           <a:prstGeom prst="rect">
             <a:avLst/>
@@ -6068,39 +4637,65 @@
           </a:bodyPr>
           <a:lstStyle/>
           <a:p>
-            <a:pPr lvl="0" defTabSz="914400" eaLnBrk="0" fontAlgn="base" hangingPunct="0">
+            <a:pPr marL="0" marR="0" lvl="0" indent="0" algn="l" defTabSz="914400" rtl="0" eaLnBrk="0" fontAlgn="base" latinLnBrk="0" hangingPunct="0">
+              <a:lnSpc>
+                <a:spcPct val="100000"/>
+              </a:lnSpc>
               <a:spcBef>
                 <a:spcPct val="0"/>
               </a:spcBef>
               <a:spcAft>
                 <a:spcPct val="0"/>
               </a:spcAft>
+              <a:buClrTx/>
+              <a:buSzTx/>
               <a:buFontTx/>
               <a:buChar char="•"/>
+              <a:tabLst/>
             </a:pPr>
             <a:r>
-              <a:rPr lang="en-US" altLang="en-US" dirty="0">
-                <a:latin typeface="Androgyne" panose="05080000000003050000" pitchFamily="82" charset="0"/>
-              </a:rPr>
-              <a:t>This line plot visualizes price changes across different months, grouped by year. </a:t>
-            </a:r>
-          </a:p>
-          <a:p>
-            <a:pPr lvl="0" defTabSz="914400" eaLnBrk="0" fontAlgn="base" hangingPunct="0">
+              <a:rPr kumimoji="0" lang="en-US" altLang="en-US" sz="1800" b="0" i="0" u="none" strike="noStrike" cap="none" normalizeH="0" baseline="0" dirty="0">
+                <a:ln>
+                  <a:noFill/>
+                </a:ln>
+                <a:solidFill>
+                  <a:schemeClr val="tx1"/>
+                </a:solidFill>
+                <a:effectLst/>
+                <a:latin typeface="Androgyne" panose="05080000000003050000" pitchFamily="82" charset="0"/>
+              </a:rPr>
+              <a:t>This pie chart displays the top 10 most frequent markets in the dataset.</a:t>
+            </a:r>
+          </a:p>
+          <a:p>
+            <a:pPr marL="0" marR="0" lvl="0" indent="0" algn="l" defTabSz="914400" rtl="0" eaLnBrk="0" fontAlgn="base" latinLnBrk="0" hangingPunct="0">
+              <a:lnSpc>
+                <a:spcPct val="100000"/>
+              </a:lnSpc>
               <a:spcBef>
                 <a:spcPct val="0"/>
               </a:spcBef>
               <a:spcAft>
                 <a:spcPct val="0"/>
               </a:spcAft>
+              <a:buClrTx/>
+              <a:buSzTx/>
               <a:buFontTx/>
               <a:buChar char="•"/>
+              <a:tabLst/>
             </a:pPr>
             <a:r>
-              <a:rPr lang="en-US" altLang="en-US" dirty="0">
-                <a:latin typeface="Androgyne" panose="05080000000003050000" pitchFamily="82" charset="0"/>
-              </a:rPr>
-              <a:t>It reveals seasonal trends, such as price surges or drops during specific months. </a:t>
+              <a:rPr kumimoji="0" lang="en-US" altLang="en-US" sz="1800" b="0" i="0" u="none" strike="noStrike" cap="none" normalizeH="0" baseline="0" dirty="0">
+                <a:ln>
+                  <a:noFill/>
+                </a:ln>
+                <a:solidFill>
+                  <a:schemeClr val="tx1"/>
+                </a:solidFill>
+                <a:effectLst/>
+                <a:latin typeface="Androgyne" panose="05080000000003050000" pitchFamily="82" charset="0"/>
+              </a:rPr>
+              <a:t>It shows the market distribution share.</a:t>
             </a:r>
           </a:p>
         </p:txBody>
@@ -6108,7 +4703,7 @@
     </p:spTree>
     <p:extLst>
       <p:ext uri="{BB962C8B-B14F-4D97-AF65-F5344CB8AC3E}">
-        <p14:creationId xmlns:p14="http://schemas.microsoft.com/office/powerpoint/2010/main" val="3237482633"/>
+        <p14:creationId xmlns:p14="http://schemas.microsoft.com/office/powerpoint/2010/main" val="3612204866"/>
       </p:ext>
     </p:extLst>
   </p:cSld>
@@ -6118,7 +4713,7 @@
 </p:sld>
 </file>
 
-<file path=ppt/slides/slide9.xml><?xml version="1.0" encoding="utf-8"?>
+<file path=ppt/slides/slide12.xml><?xml version="1.0" encoding="utf-8"?>
 <p:sld xmlns:a="http://schemas.openxmlformats.org/drawingml/2006/main" xmlns:r="http://schemas.openxmlformats.org/officeDocument/2006/relationships" xmlns:p="http://schemas.openxmlformats.org/presentationml/2006/main">
   <p:cSld>
     <p:spTree>
@@ -6126,7 +4721,7 @@
         <p:cNvPr id="1" name="">
           <a:extLst>
             <a:ext uri="{FF2B5EF4-FFF2-40B4-BE49-F238E27FC236}">
-              <a16:creationId xmlns:a16="http://schemas.microsoft.com/office/drawing/2014/main" id="{9AC96CDF-D504-6BE8-3D6B-93E0C69B67E2}"/>
+              <a16:creationId xmlns:a16="http://schemas.microsoft.com/office/drawing/2014/main" id="{8122743F-5822-B19F-3565-08E401C874E9}"/>
             </a:ext>
           </a:extLst>
         </p:cNvPr>
@@ -6146,7 +4741,7 @@
           <p:cNvPr id="2" name="Title 1">
             <a:extLst>
               <a:ext uri="{FF2B5EF4-FFF2-40B4-BE49-F238E27FC236}">
-                <a16:creationId xmlns:a16="http://schemas.microsoft.com/office/drawing/2014/main" id="{ECB196BB-D380-FF89-323A-AFB9FA5035E7}"/>
+                <a16:creationId xmlns:a16="http://schemas.microsoft.com/office/drawing/2014/main" id="{F7B323F4-5569-7B22-25AA-AFE6EEF0366E}"/>
               </a:ext>
             </a:extLst>
           </p:cNvPr>
@@ -6168,7 +4763,7 @@
               <a:rPr lang="en-IN" dirty="0">
                 <a:latin typeface="Androgyne" panose="05080000000003050000" pitchFamily="82" charset="0"/>
               </a:rPr>
-              <a:t>Year-over-Year Average Price Change</a:t>
+              <a:t>Monthly Arrival Frequency</a:t>
             </a:r>
             <a:endParaRPr dirty="0">
               <a:latin typeface="Androgyne" panose="05080000000003050000" pitchFamily="82" charset="0"/>
@@ -6181,7 +4776,7 @@
           <p:cNvPr id="4" name="Picture 3">
             <a:extLst>
               <a:ext uri="{FF2B5EF4-FFF2-40B4-BE49-F238E27FC236}">
-                <a16:creationId xmlns:a16="http://schemas.microsoft.com/office/drawing/2014/main" id="{3B10E14F-9E8D-44EA-2B9B-9C86EDE08F16}"/>
+                <a16:creationId xmlns:a16="http://schemas.microsoft.com/office/drawing/2014/main" id="{901177A6-1395-FFBA-6199-D67B3B308DA0}"/>
               </a:ext>
             </a:extLst>
           </p:cNvPr>
@@ -6198,8 +4793,8 @@
         </p:blipFill>
         <p:spPr>
           <a:xfrm>
-            <a:off x="822960" y="1898277"/>
-            <a:ext cx="7034979" cy="3468114"/>
+            <a:off x="983226" y="1820961"/>
+            <a:ext cx="7177548" cy="3562221"/>
           </a:xfrm>
           <a:prstGeom prst="rect">
             <a:avLst/>
@@ -6208,22 +4803,1766 @@
       </p:pic>
       <p:sp>
         <p:nvSpPr>
-          <p:cNvPr id="6" name="Rectangle 1">
+          <p:cNvPr id="6" name="TextBox 5">
             <a:extLst>
               <a:ext uri="{FF2B5EF4-FFF2-40B4-BE49-F238E27FC236}">
-                <a16:creationId xmlns:a16="http://schemas.microsoft.com/office/drawing/2014/main" id="{2B3F93EA-53EB-56AC-8846-A71BB200571C}"/>
+                <a16:creationId xmlns:a16="http://schemas.microsoft.com/office/drawing/2014/main" id="{954ADE2B-E1AE-C0D4-5DFE-BA06D9B266FA}"/>
               </a:ext>
             </a:extLst>
           </p:cNvPr>
+          <p:cNvSpPr txBox="1"/>
+          <p:nvPr/>
+        </p:nvSpPr>
+        <p:spPr>
+          <a:xfrm>
+            <a:off x="742334" y="5383182"/>
+            <a:ext cx="7929225" cy="646331"/>
+          </a:xfrm>
+          <a:prstGeom prst="rect">
+            <a:avLst/>
+          </a:prstGeom>
+          <a:noFill/>
+        </p:spPr>
+        <p:txBody>
+          <a:bodyPr wrap="square">
+            <a:spAutoFit/>
+          </a:bodyPr>
+          <a:lstStyle/>
+          <a:p>
+            <a:pPr marL="0" marR="0" lvl="0" indent="0" algn="l" defTabSz="914400" rtl="0" eaLnBrk="0" fontAlgn="base" latinLnBrk="0" hangingPunct="0">
+              <a:lnSpc>
+                <a:spcPct val="100000"/>
+              </a:lnSpc>
+              <a:spcBef>
+                <a:spcPct val="0"/>
+              </a:spcBef>
+              <a:spcAft>
+                <a:spcPct val="0"/>
+              </a:spcAft>
+              <a:buClrTx/>
+              <a:buSzTx/>
+              <a:buFontTx/>
+              <a:buChar char="•"/>
+              <a:tabLst/>
+            </a:pPr>
+            <a:r>
+              <a:rPr kumimoji="0" lang="en-US" altLang="en-US" sz="1800" b="0" i="0" u="none" strike="noStrike" cap="none" normalizeH="0" baseline="0" dirty="0">
+                <a:ln>
+                  <a:noFill/>
+                </a:ln>
+                <a:solidFill>
+                  <a:schemeClr val="tx1"/>
+                </a:solidFill>
+                <a:effectLst/>
+                <a:latin typeface="Androgyne" panose="05080000000003050000" pitchFamily="82" charset="0"/>
+              </a:rPr>
+              <a:t>This bar plot shows the frequency of onion arrivals by month.</a:t>
+            </a:r>
+          </a:p>
+          <a:p>
+            <a:pPr marL="0" marR="0" lvl="0" indent="0" algn="l" defTabSz="914400" rtl="0" eaLnBrk="0" fontAlgn="base" latinLnBrk="0" hangingPunct="0">
+              <a:lnSpc>
+                <a:spcPct val="100000"/>
+              </a:lnSpc>
+              <a:spcBef>
+                <a:spcPct val="0"/>
+              </a:spcBef>
+              <a:spcAft>
+                <a:spcPct val="0"/>
+              </a:spcAft>
+              <a:buClrTx/>
+              <a:buSzTx/>
+              <a:buFontTx/>
+              <a:buChar char="•"/>
+              <a:tabLst/>
+            </a:pPr>
+            <a:r>
+              <a:rPr kumimoji="0" lang="en-US" altLang="en-US" sz="1800" b="0" i="0" u="none" strike="noStrike" cap="none" normalizeH="0" baseline="0" dirty="0">
+                <a:ln>
+                  <a:noFill/>
+                </a:ln>
+                <a:solidFill>
+                  <a:schemeClr val="tx1"/>
+                </a:solidFill>
+                <a:effectLst/>
+                <a:latin typeface="Androgyne" panose="05080000000003050000" pitchFamily="82" charset="0"/>
+              </a:rPr>
+              <a:t>It helps identify which months have the most arrivals.</a:t>
+            </a:r>
+          </a:p>
+        </p:txBody>
+      </p:sp>
+    </p:spTree>
+    <p:extLst>
+      <p:ext uri="{BB962C8B-B14F-4D97-AF65-F5344CB8AC3E}">
+        <p14:creationId xmlns:p14="http://schemas.microsoft.com/office/powerpoint/2010/main" val="3209482043"/>
+      </p:ext>
+    </p:extLst>
+  </p:cSld>
+  <p:clrMapOvr>
+    <a:masterClrMapping/>
+  </p:clrMapOvr>
+</p:sld>
+</file>
+
+<file path=ppt/slides/slide13.xml><?xml version="1.0" encoding="utf-8"?>
+<p:sld xmlns:a="http://schemas.openxmlformats.org/drawingml/2006/main" xmlns:r="http://schemas.openxmlformats.org/officeDocument/2006/relationships" xmlns:p="http://schemas.openxmlformats.org/presentationml/2006/main">
+  <p:cSld>
+    <p:spTree>
+      <p:nvGrpSpPr>
+        <p:cNvPr id="1" name="">
+          <a:extLst>
+            <a:ext uri="{FF2B5EF4-FFF2-40B4-BE49-F238E27FC236}">
+              <a16:creationId xmlns:a16="http://schemas.microsoft.com/office/drawing/2014/main" id="{2695A8EA-5FD9-FEBF-23E8-F58121BDACA1}"/>
+            </a:ext>
+          </a:extLst>
+        </p:cNvPr>
+        <p:cNvGrpSpPr/>
+        <p:nvPr/>
+      </p:nvGrpSpPr>
+      <p:grpSpPr>
+        <a:xfrm>
+          <a:off x="0" y="0"/>
+          <a:ext cx="0" cy="0"/>
+          <a:chOff x="0" y="0"/>
+          <a:chExt cx="0" cy="0"/>
+        </a:xfrm>
+      </p:grpSpPr>
+      <p:sp>
+        <p:nvSpPr>
+          <p:cNvPr id="2" name="Title 1">
+            <a:extLst>
+              <a:ext uri="{FF2B5EF4-FFF2-40B4-BE49-F238E27FC236}">
+                <a16:creationId xmlns:a16="http://schemas.microsoft.com/office/drawing/2014/main" id="{EF79BD52-4DAC-9AFF-A94B-CDC099F383E8}"/>
+              </a:ext>
+            </a:extLst>
+          </p:cNvPr>
+          <p:cNvSpPr>
+            <a:spLocks noGrp="1"/>
+          </p:cNvSpPr>
+          <p:nvPr>
+            <p:ph type="title"/>
+          </p:nvPr>
+        </p:nvSpPr>
+        <p:spPr>
+          <a:xfrm>
+            <a:off x="462116" y="286604"/>
+            <a:ext cx="8524568" cy="1450757"/>
+          </a:xfrm>
+        </p:spPr>
+        <p:txBody>
+          <a:bodyPr>
+            <a:normAutofit/>
+          </a:bodyPr>
+          <a:lstStyle/>
+          <a:p>
+            <a:r>
+              <a:rPr lang="en-IN" dirty="0">
+                <a:latin typeface="Androgyne" panose="05080000000003050000" pitchFamily="82" charset="0"/>
+              </a:rPr>
+              <a:t>Year-wise Arrival Distribution</a:t>
+            </a:r>
+            <a:endParaRPr dirty="0">
+              <a:latin typeface="Androgyne" panose="05080000000003050000" pitchFamily="82" charset="0"/>
+            </a:endParaRPr>
+          </a:p>
+        </p:txBody>
+      </p:sp>
+      <p:sp>
+        <p:nvSpPr>
+          <p:cNvPr id="6" name="TextBox 5">
+            <a:extLst>
+              <a:ext uri="{FF2B5EF4-FFF2-40B4-BE49-F238E27FC236}">
+                <a16:creationId xmlns:a16="http://schemas.microsoft.com/office/drawing/2014/main" id="{CD1F7839-7F5B-4619-6A38-91ABDA1233D1}"/>
+              </a:ext>
+            </a:extLst>
+          </p:cNvPr>
+          <p:cNvSpPr txBox="1"/>
+          <p:nvPr/>
+        </p:nvSpPr>
+        <p:spPr>
+          <a:xfrm>
+            <a:off x="742334" y="5383182"/>
+            <a:ext cx="7929225" cy="646331"/>
+          </a:xfrm>
+          <a:prstGeom prst="rect">
+            <a:avLst/>
+          </a:prstGeom>
+          <a:noFill/>
+        </p:spPr>
+        <p:txBody>
+          <a:bodyPr wrap="square">
+            <a:spAutoFit/>
+          </a:bodyPr>
+          <a:lstStyle/>
+          <a:p>
+            <a:pPr marL="0" marR="0" lvl="0" indent="0" algn="l" defTabSz="914400" rtl="0" eaLnBrk="0" fontAlgn="base" latinLnBrk="0" hangingPunct="0">
+              <a:lnSpc>
+                <a:spcPct val="100000"/>
+              </a:lnSpc>
+              <a:spcBef>
+                <a:spcPct val="0"/>
+              </a:spcBef>
+              <a:spcAft>
+                <a:spcPct val="0"/>
+              </a:spcAft>
+              <a:buClrTx/>
+              <a:buSzTx/>
+              <a:buFontTx/>
+              <a:buChar char="•"/>
+              <a:tabLst/>
+            </a:pPr>
+            <a:r>
+              <a:rPr kumimoji="0" lang="en-US" altLang="en-US" sz="1800" b="0" i="0" u="none" strike="noStrike" cap="none" normalizeH="0" baseline="0" dirty="0">
+                <a:ln>
+                  <a:noFill/>
+                </a:ln>
+                <a:solidFill>
+                  <a:schemeClr val="tx1"/>
+                </a:solidFill>
+                <a:effectLst/>
+                <a:latin typeface="Androgyne" panose="05080000000003050000" pitchFamily="82" charset="0"/>
+              </a:rPr>
+              <a:t>This bar plot displays the distribution of arrivals by year.</a:t>
+            </a:r>
+          </a:p>
+          <a:p>
+            <a:pPr marL="0" marR="0" lvl="0" indent="0" algn="l" defTabSz="914400" rtl="0" eaLnBrk="0" fontAlgn="base" latinLnBrk="0" hangingPunct="0">
+              <a:lnSpc>
+                <a:spcPct val="100000"/>
+              </a:lnSpc>
+              <a:spcBef>
+                <a:spcPct val="0"/>
+              </a:spcBef>
+              <a:spcAft>
+                <a:spcPct val="0"/>
+              </a:spcAft>
+              <a:buClrTx/>
+              <a:buSzTx/>
+              <a:buFontTx/>
+              <a:buChar char="•"/>
+              <a:tabLst/>
+            </a:pPr>
+            <a:r>
+              <a:rPr kumimoji="0" lang="en-US" altLang="en-US" sz="1800" b="0" i="0" u="none" strike="noStrike" cap="none" normalizeH="0" baseline="0" dirty="0">
+                <a:ln>
+                  <a:noFill/>
+                </a:ln>
+                <a:solidFill>
+                  <a:schemeClr val="tx1"/>
+                </a:solidFill>
+                <a:effectLst/>
+                <a:latin typeface="Androgyne" panose="05080000000003050000" pitchFamily="82" charset="0"/>
+              </a:rPr>
+              <a:t>It shows how onion arrivals vary over the years.</a:t>
+            </a:r>
+          </a:p>
+        </p:txBody>
+      </p:sp>
+      <p:pic>
+        <p:nvPicPr>
+          <p:cNvPr id="5" name="Picture 4">
+            <a:extLst>
+              <a:ext uri="{FF2B5EF4-FFF2-40B4-BE49-F238E27FC236}">
+                <a16:creationId xmlns:a16="http://schemas.microsoft.com/office/drawing/2014/main" id="{4AFE57EE-2E00-E06E-CE43-0C138F23BC22}"/>
+              </a:ext>
+            </a:extLst>
+          </p:cNvPr>
+          <p:cNvPicPr>
+            <a:picLocks noChangeAspect="1"/>
+          </p:cNvPicPr>
+          <p:nvPr/>
+        </p:nvPicPr>
+        <p:blipFill>
+          <a:blip r:embed="rId2"/>
+          <a:stretch>
+            <a:fillRect/>
+          </a:stretch>
+        </p:blipFill>
+        <p:spPr>
+          <a:xfrm>
+            <a:off x="1120877" y="1982412"/>
+            <a:ext cx="6902245" cy="3400770"/>
+          </a:xfrm>
+          <a:prstGeom prst="rect">
+            <a:avLst/>
+          </a:prstGeom>
+        </p:spPr>
+      </p:pic>
+    </p:spTree>
+    <p:extLst>
+      <p:ext uri="{BB962C8B-B14F-4D97-AF65-F5344CB8AC3E}">
+        <p14:creationId xmlns:p14="http://schemas.microsoft.com/office/powerpoint/2010/main" val="4188694241"/>
+      </p:ext>
+    </p:extLst>
+  </p:cSld>
+  <p:clrMapOvr>
+    <a:masterClrMapping/>
+  </p:clrMapOvr>
+</p:sld>
+</file>
+
+<file path=ppt/slides/slide14.xml><?xml version="1.0" encoding="utf-8"?>
+<p:sld xmlns:a="http://schemas.openxmlformats.org/drawingml/2006/main" xmlns:r="http://schemas.openxmlformats.org/officeDocument/2006/relationships" xmlns:p="http://schemas.openxmlformats.org/presentationml/2006/main">
+  <p:cSld>
+    <p:spTree>
+      <p:nvGrpSpPr>
+        <p:cNvPr id="1" name=""/>
+        <p:cNvGrpSpPr/>
+        <p:nvPr/>
+      </p:nvGrpSpPr>
+      <p:grpSpPr>
+        <a:xfrm>
+          <a:off x="0" y="0"/>
+          <a:ext cx="0" cy="0"/>
+          <a:chOff x="0" y="0"/>
+          <a:chExt cx="0" cy="0"/>
+        </a:xfrm>
+      </p:grpSpPr>
+      <p:sp>
+        <p:nvSpPr>
+          <p:cNvPr id="2" name="Title 1">
+            <a:extLst>
+              <a:ext uri="{FF2B5EF4-FFF2-40B4-BE49-F238E27FC236}">
+                <a16:creationId xmlns:a16="http://schemas.microsoft.com/office/drawing/2014/main" id="{867C4A0F-2190-ABCF-045D-4F6373DEB8A6}"/>
+              </a:ext>
+            </a:extLst>
+          </p:cNvPr>
+          <p:cNvSpPr>
+            <a:spLocks noGrp="1"/>
+          </p:cNvSpPr>
+          <p:nvPr>
+            <p:ph type="title"/>
+          </p:nvPr>
+        </p:nvSpPr>
+        <p:spPr>
+          <a:xfrm>
+            <a:off x="457200" y="447686"/>
+            <a:ext cx="8229600" cy="1143000"/>
+          </a:xfrm>
+        </p:spPr>
+        <p:txBody>
+          <a:bodyPr/>
+          <a:lstStyle/>
+          <a:p>
+            <a:r>
+              <a:rPr lang="en-IN" dirty="0">
+                <a:latin typeface="Androgyne" panose="05080000000003050000" pitchFamily="82" charset="0"/>
+              </a:rPr>
+              <a:t>Dataset Observation</a:t>
+            </a:r>
+          </a:p>
+        </p:txBody>
+      </p:sp>
+      <p:sp>
+        <p:nvSpPr>
+          <p:cNvPr id="3" name="TextBox 2">
+            <a:extLst>
+              <a:ext uri="{FF2B5EF4-FFF2-40B4-BE49-F238E27FC236}">
+                <a16:creationId xmlns:a16="http://schemas.microsoft.com/office/drawing/2014/main" id="{A5550282-F628-3DA4-4341-0DD90A8D7744}"/>
+              </a:ext>
+            </a:extLst>
+          </p:cNvPr>
+          <p:cNvSpPr txBox="1"/>
+          <p:nvPr/>
+        </p:nvSpPr>
+        <p:spPr>
+          <a:xfrm>
+            <a:off x="334298" y="1897626"/>
+            <a:ext cx="8495070" cy="5078313"/>
+          </a:xfrm>
+          <a:prstGeom prst="rect">
+            <a:avLst/>
+          </a:prstGeom>
+          <a:noFill/>
+        </p:spPr>
+        <p:txBody>
+          <a:bodyPr wrap="square" rtlCol="0">
+            <a:spAutoFit/>
+          </a:bodyPr>
+          <a:lstStyle/>
+          <a:p>
+            <a:pPr algn="just"/>
+            <a:r>
+              <a:rPr lang="en-US" u="sng" dirty="0">
+                <a:latin typeface="Androgyne" panose="05080000000003050000" pitchFamily="82" charset="0"/>
+              </a:rPr>
+              <a:t>1. Date Range &amp; Missing Data:</a:t>
+            </a:r>
+          </a:p>
+          <a:p>
+            <a:pPr algn="just"/>
+            <a:r>
+              <a:rPr lang="en-US" dirty="0">
+                <a:latin typeface="Androgyne" panose="05080000000003050000" pitchFamily="82" charset="0"/>
+              </a:rPr>
+              <a:t>   - The dataset covers onion prices from 2020 to 2025.</a:t>
+            </a:r>
+          </a:p>
+          <a:p>
+            <a:pPr algn="just"/>
+            <a:r>
+              <a:rPr lang="en-US" dirty="0">
+                <a:latin typeface="Androgyne" panose="05080000000003050000" pitchFamily="82" charset="0"/>
+              </a:rPr>
+              <a:t>   - Some missing values exist in the </a:t>
+            </a:r>
+            <a:r>
+              <a:rPr lang="en-US" dirty="0" err="1">
+                <a:latin typeface="Androgyne" panose="05080000000003050000" pitchFamily="82" charset="0"/>
+              </a:rPr>
+              <a:t>Arrival_Date</a:t>
+            </a:r>
+            <a:r>
+              <a:rPr lang="en-US" dirty="0">
+                <a:latin typeface="Androgyne" panose="05080000000003050000" pitchFamily="82" charset="0"/>
+              </a:rPr>
+              <a:t> column.</a:t>
+            </a:r>
+          </a:p>
+          <a:p>
+            <a:pPr algn="just"/>
+            <a:endParaRPr lang="en-US" dirty="0">
+              <a:latin typeface="Androgyne" panose="05080000000003050000" pitchFamily="82" charset="0"/>
+            </a:endParaRPr>
+          </a:p>
+          <a:p>
+            <a:pPr algn="just"/>
+            <a:r>
+              <a:rPr lang="en-US" u="sng" dirty="0">
+                <a:latin typeface="Androgyne" panose="05080000000003050000" pitchFamily="82" charset="0"/>
+              </a:rPr>
+              <a:t>2. Price Trends &amp; Statistics:</a:t>
+            </a:r>
+          </a:p>
+          <a:p>
+            <a:pPr algn="just"/>
+            <a:r>
+              <a:rPr lang="en-US" dirty="0">
+                <a:latin typeface="Androgyne" panose="05080000000003050000" pitchFamily="82" charset="0"/>
+              </a:rPr>
+              <a:t>   - The minimum, maximum, and modal prices of onions show fluctuations over time.</a:t>
+            </a:r>
+          </a:p>
+          <a:p>
+            <a:pPr algn="just"/>
+            <a:r>
+              <a:rPr lang="en-US" dirty="0">
+                <a:latin typeface="Androgyne" panose="05080000000003050000" pitchFamily="82" charset="0"/>
+              </a:rPr>
+              <a:t>   - The average modal price varies yearly , indicating possible seasonal or market-driven trends.</a:t>
+            </a:r>
+          </a:p>
+          <a:p>
+            <a:pPr algn="just"/>
+            <a:endParaRPr lang="en-US" dirty="0">
+              <a:latin typeface="Androgyne" panose="05080000000003050000" pitchFamily="82" charset="0"/>
+            </a:endParaRPr>
+          </a:p>
+          <a:p>
+            <a:pPr algn="just"/>
+            <a:r>
+              <a:rPr lang="en-US" u="sng" dirty="0">
+                <a:latin typeface="Androgyne" panose="05080000000003050000" pitchFamily="82" charset="0"/>
+              </a:rPr>
+              <a:t>3. Variety Analysis:</a:t>
+            </a:r>
+          </a:p>
+          <a:p>
+            <a:pPr algn="just"/>
+            <a:r>
+              <a:rPr lang="en-US" dirty="0">
+                <a:latin typeface="Androgyne" panose="05080000000003050000" pitchFamily="82" charset="0"/>
+              </a:rPr>
+              <a:t>   - Multiple onion varieties are recorded in the dataset.</a:t>
+            </a:r>
+          </a:p>
+          <a:p>
+            <a:pPr algn="just"/>
+            <a:r>
+              <a:rPr lang="en-US" dirty="0">
+                <a:latin typeface="Androgyne" panose="05080000000003050000" pitchFamily="82" charset="0"/>
+              </a:rPr>
+              <a:t>   - Some varieties are more frequently listed, as seen in the Variety </a:t>
+            </a:r>
+            <a:r>
+              <a:rPr lang="en-US" dirty="0" err="1">
+                <a:latin typeface="Androgyne" panose="05080000000003050000" pitchFamily="82" charset="0"/>
+              </a:rPr>
+              <a:t>Countplot</a:t>
+            </a:r>
+            <a:r>
+              <a:rPr lang="en-US" dirty="0">
+                <a:latin typeface="Androgyne" panose="05080000000003050000" pitchFamily="82" charset="0"/>
+              </a:rPr>
+              <a:t>.</a:t>
+            </a:r>
+          </a:p>
+          <a:p>
+            <a:pPr algn="just"/>
+            <a:r>
+              <a:rPr lang="en-US" dirty="0">
+                <a:latin typeface="Androgyne" panose="05080000000003050000" pitchFamily="82" charset="0"/>
+              </a:rPr>
+              <a:t>   - The price distribution varies by variety, with some having a wider range of prices.</a:t>
+            </a:r>
+          </a:p>
+          <a:p>
+            <a:pPr algn="just"/>
+            <a:endParaRPr lang="en-US" dirty="0">
+              <a:latin typeface="Androgyne" panose="05080000000003050000" pitchFamily="82" charset="0"/>
+            </a:endParaRPr>
+          </a:p>
+          <a:p>
+            <a:pPr algn="just"/>
+            <a:endParaRPr lang="en-US" dirty="0">
+              <a:latin typeface="Androgyne" panose="05080000000003050000" pitchFamily="82" charset="0"/>
+            </a:endParaRPr>
+          </a:p>
+          <a:p>
+            <a:pPr algn="just"/>
+            <a:endParaRPr lang="en-IN" dirty="0">
+              <a:latin typeface="Androgyne" panose="05080000000003050000" pitchFamily="82" charset="0"/>
+            </a:endParaRPr>
+          </a:p>
+        </p:txBody>
+      </p:sp>
+    </p:spTree>
+    <p:extLst>
+      <p:ext uri="{BB962C8B-B14F-4D97-AF65-F5344CB8AC3E}">
+        <p14:creationId xmlns:p14="http://schemas.microsoft.com/office/powerpoint/2010/main" val="1790661597"/>
+      </p:ext>
+    </p:extLst>
+  </p:cSld>
+  <p:clrMapOvr>
+    <a:masterClrMapping/>
+  </p:clrMapOvr>
+</p:sld>
+</file>
+
+<file path=ppt/slides/slide15.xml><?xml version="1.0" encoding="utf-8"?>
+<p:sld xmlns:a="http://schemas.openxmlformats.org/drawingml/2006/main" xmlns:r="http://schemas.openxmlformats.org/officeDocument/2006/relationships" xmlns:p="http://schemas.openxmlformats.org/presentationml/2006/main">
+  <p:cSld>
+    <p:spTree>
+      <p:nvGrpSpPr>
+        <p:cNvPr id="1" name="">
+          <a:extLst>
+            <a:ext uri="{FF2B5EF4-FFF2-40B4-BE49-F238E27FC236}">
+              <a16:creationId xmlns:a16="http://schemas.microsoft.com/office/drawing/2014/main" id="{BD9974F9-EB62-6D1C-B6B6-E7DC10458D59}"/>
+            </a:ext>
+          </a:extLst>
+        </p:cNvPr>
+        <p:cNvGrpSpPr/>
+        <p:nvPr/>
+      </p:nvGrpSpPr>
+      <p:grpSpPr>
+        <a:xfrm>
+          <a:off x="0" y="0"/>
+          <a:ext cx="0" cy="0"/>
+          <a:chOff x="0" y="0"/>
+          <a:chExt cx="0" cy="0"/>
+        </a:xfrm>
+      </p:grpSpPr>
+      <p:sp>
+        <p:nvSpPr>
+          <p:cNvPr id="2" name="Title 1">
+            <a:extLst>
+              <a:ext uri="{FF2B5EF4-FFF2-40B4-BE49-F238E27FC236}">
+                <a16:creationId xmlns:a16="http://schemas.microsoft.com/office/drawing/2014/main" id="{DF68D448-C101-8884-4EC5-0B38A632B216}"/>
+              </a:ext>
+            </a:extLst>
+          </p:cNvPr>
+          <p:cNvSpPr>
+            <a:spLocks noGrp="1"/>
+          </p:cNvSpPr>
+          <p:nvPr>
+            <p:ph type="title"/>
+          </p:nvPr>
+        </p:nvSpPr>
+        <p:spPr>
+          <a:xfrm>
+            <a:off x="457200" y="447686"/>
+            <a:ext cx="8229600" cy="1143000"/>
+          </a:xfrm>
+        </p:spPr>
+        <p:txBody>
+          <a:bodyPr/>
+          <a:lstStyle/>
+          <a:p>
+            <a:r>
+              <a:rPr lang="en-IN" dirty="0">
+                <a:latin typeface="Androgyne" panose="05080000000003050000" pitchFamily="82" charset="0"/>
+              </a:rPr>
+              <a:t>Dataset Observation</a:t>
+            </a:r>
+          </a:p>
+        </p:txBody>
+      </p:sp>
+      <p:sp>
+        <p:nvSpPr>
+          <p:cNvPr id="3" name="TextBox 2">
+            <a:extLst>
+              <a:ext uri="{FF2B5EF4-FFF2-40B4-BE49-F238E27FC236}">
+                <a16:creationId xmlns:a16="http://schemas.microsoft.com/office/drawing/2014/main" id="{C128BE8D-F50B-66D6-C43A-4A1BE364C385}"/>
+              </a:ext>
+            </a:extLst>
+          </p:cNvPr>
+          <p:cNvSpPr txBox="1"/>
+          <p:nvPr/>
+        </p:nvSpPr>
+        <p:spPr>
+          <a:xfrm>
+            <a:off x="334298" y="1897626"/>
+            <a:ext cx="8495070" cy="3416320"/>
+          </a:xfrm>
+          <a:prstGeom prst="rect">
+            <a:avLst/>
+          </a:prstGeom>
+          <a:noFill/>
+        </p:spPr>
+        <p:txBody>
+          <a:bodyPr wrap="square" rtlCol="0">
+            <a:spAutoFit/>
+          </a:bodyPr>
+          <a:lstStyle/>
+          <a:p>
+            <a:pPr algn="just"/>
+            <a:r>
+              <a:rPr lang="en-US" u="sng" dirty="0">
+                <a:latin typeface="Androgyne" panose="05080000000003050000" pitchFamily="82" charset="0"/>
+              </a:rPr>
+              <a:t>4. Distribution Insights:</a:t>
+            </a:r>
+          </a:p>
+          <a:p>
+            <a:pPr algn="just"/>
+            <a:r>
+              <a:rPr lang="en-US" dirty="0">
+                <a:latin typeface="Androgyne" panose="05080000000003050000" pitchFamily="82" charset="0"/>
+              </a:rPr>
+              <a:t>   - The histogram of minimum prices suggests that most onion prices fall within a certain range.</a:t>
+            </a:r>
+          </a:p>
+          <a:p>
+            <a:pPr algn="just"/>
+            <a:r>
+              <a:rPr lang="en-US" dirty="0">
+                <a:latin typeface="Androgyne" panose="05080000000003050000" pitchFamily="82" charset="0"/>
+              </a:rPr>
+              <a:t> - The violin and boxplots indicate price spread and outliers among different varieties.</a:t>
+            </a:r>
+          </a:p>
+          <a:p>
+            <a:pPr algn="just"/>
+            <a:endParaRPr lang="en-US" dirty="0">
+              <a:latin typeface="Androgyne" panose="05080000000003050000" pitchFamily="82" charset="0"/>
+            </a:endParaRPr>
+          </a:p>
+          <a:p>
+            <a:pPr algn="just"/>
+            <a:r>
+              <a:rPr lang="en-US" u="sng" dirty="0">
+                <a:latin typeface="Androgyne" panose="05080000000003050000" pitchFamily="82" charset="0"/>
+              </a:rPr>
+              <a:t>5. Trend Over Time:</a:t>
+            </a:r>
+          </a:p>
+          <a:p>
+            <a:pPr algn="just"/>
+            <a:r>
+              <a:rPr lang="en-US" dirty="0">
+                <a:latin typeface="Androgyne" panose="05080000000003050000" pitchFamily="82" charset="0"/>
+              </a:rPr>
+              <a:t>   - The line chart of average price per year shows a possible rising or fluctuating trend.</a:t>
+            </a:r>
+          </a:p>
+          <a:p>
+            <a:pPr algn="just"/>
+            <a:r>
+              <a:rPr lang="en-US" dirty="0">
+                <a:latin typeface="Androgyne" panose="05080000000003050000" pitchFamily="82" charset="0"/>
+              </a:rPr>
+              <a:t>   - Peak or dip years might be correlated with supply-chain issues, demand surges, or external factors.</a:t>
+            </a:r>
+          </a:p>
+          <a:p>
+            <a:pPr algn="just"/>
+            <a:endParaRPr lang="en-IN" dirty="0">
+              <a:latin typeface="Androgyne" panose="05080000000003050000" pitchFamily="82" charset="0"/>
+            </a:endParaRPr>
+          </a:p>
+        </p:txBody>
+      </p:sp>
+    </p:spTree>
+    <p:extLst>
+      <p:ext uri="{BB962C8B-B14F-4D97-AF65-F5344CB8AC3E}">
+        <p14:creationId xmlns:p14="http://schemas.microsoft.com/office/powerpoint/2010/main" val="2457681786"/>
+      </p:ext>
+    </p:extLst>
+  </p:cSld>
+  <p:clrMapOvr>
+    <a:masterClrMapping/>
+  </p:clrMapOvr>
+</p:sld>
+</file>
+
+<file path=ppt/slides/slide16.xml><?xml version="1.0" encoding="utf-8"?>
+<p:sld xmlns:a="http://schemas.openxmlformats.org/drawingml/2006/main" xmlns:r="http://schemas.openxmlformats.org/officeDocument/2006/relationships" xmlns:p="http://schemas.openxmlformats.org/presentationml/2006/main">
+  <p:cSld>
+    <p:spTree>
+      <p:nvGrpSpPr>
+        <p:cNvPr id="1" name=""/>
+        <p:cNvGrpSpPr/>
+        <p:nvPr/>
+      </p:nvGrpSpPr>
+      <p:grpSpPr>
+        <a:xfrm>
+          <a:off x="0" y="0"/>
+          <a:ext cx="0" cy="0"/>
+          <a:chOff x="0" y="0"/>
+          <a:chExt cx="0" cy="0"/>
+        </a:xfrm>
+      </p:grpSpPr>
+      <p:sp>
+        <p:nvSpPr>
+          <p:cNvPr id="2" name="Title 1"/>
+          <p:cNvSpPr>
+            <a:spLocks noGrp="1"/>
+          </p:cNvSpPr>
+          <p:nvPr>
+            <p:ph type="title"/>
+          </p:nvPr>
+        </p:nvSpPr>
+        <p:spPr/>
+        <p:txBody>
+          <a:bodyPr/>
+          <a:lstStyle/>
+          <a:p>
+            <a:r>
+              <a:rPr dirty="0">
+                <a:latin typeface="Androgyne" panose="05080000000003050000" pitchFamily="82" charset="0"/>
+              </a:rPr>
+              <a:t>Conclusion</a:t>
+            </a:r>
+          </a:p>
+        </p:txBody>
+      </p:sp>
+      <p:sp>
+        <p:nvSpPr>
+          <p:cNvPr id="3" name="Content Placeholder 2"/>
+          <p:cNvSpPr>
+            <a:spLocks noGrp="1"/>
+          </p:cNvSpPr>
+          <p:nvPr>
+            <p:ph idx="1"/>
+          </p:nvPr>
+        </p:nvSpPr>
+        <p:spPr>
+          <a:xfrm>
+            <a:off x="822960" y="1964015"/>
+            <a:ext cx="7543801" cy="4023360"/>
+          </a:xfrm>
+        </p:spPr>
+        <p:txBody>
+          <a:bodyPr/>
+          <a:lstStyle/>
+          <a:p>
+            <a:pPr algn="just">
+              <a:buFont typeface="Arial" panose="020B0604020202020204" pitchFamily="34" charset="0"/>
+              <a:buChar char="•"/>
+            </a:pPr>
+            <a:r>
+              <a:rPr dirty="0">
+                <a:latin typeface="Androgyne" panose="05080000000003050000" pitchFamily="82" charset="0"/>
+              </a:rPr>
+              <a:t>Onion prices show seasonal variations and volatility over the years.</a:t>
+            </a:r>
+          </a:p>
+          <a:p>
+            <a:pPr algn="just">
+              <a:buFont typeface="Arial" panose="020B0604020202020204" pitchFamily="34" charset="0"/>
+              <a:buChar char="•"/>
+            </a:pPr>
+            <a:r>
+              <a:rPr dirty="0">
+                <a:latin typeface="Androgyne" panose="05080000000003050000" pitchFamily="82" charset="0"/>
+              </a:rPr>
+              <a:t>Certain states dominate the market with frequent entries.</a:t>
+            </a:r>
+          </a:p>
+          <a:p>
+            <a:pPr algn="just">
+              <a:buFont typeface="Arial" panose="020B0604020202020204" pitchFamily="34" charset="0"/>
+              <a:buChar char="•"/>
+            </a:pPr>
+            <a:r>
+              <a:rPr dirty="0">
+                <a:latin typeface="Androgyne" panose="05080000000003050000" pitchFamily="82" charset="0"/>
+              </a:rPr>
+              <a:t>Understanding these trends can help in better market forecasting and decision-making.</a:t>
+            </a:r>
+          </a:p>
+        </p:txBody>
+      </p:sp>
+    </p:spTree>
+  </p:cSld>
+  <p:clrMapOvr>
+    <a:masterClrMapping/>
+  </p:clrMapOvr>
+</p:sld>
+</file>
+
+<file path=ppt/slides/slide2.xml><?xml version="1.0" encoding="utf-8"?>
+<p:sld xmlns:a="http://schemas.openxmlformats.org/drawingml/2006/main" xmlns:r="http://schemas.openxmlformats.org/officeDocument/2006/relationships" xmlns:p="http://schemas.openxmlformats.org/presentationml/2006/main">
+  <p:cSld>
+    <p:spTree>
+      <p:nvGrpSpPr>
+        <p:cNvPr id="1" name=""/>
+        <p:cNvGrpSpPr/>
+        <p:nvPr/>
+      </p:nvGrpSpPr>
+      <p:grpSpPr>
+        <a:xfrm>
+          <a:off x="0" y="0"/>
+          <a:ext cx="0" cy="0"/>
+          <a:chOff x="0" y="0"/>
+          <a:chExt cx="0" cy="0"/>
+        </a:xfrm>
+      </p:grpSpPr>
+      <p:sp>
+        <p:nvSpPr>
+          <p:cNvPr id="2" name="Title 1"/>
+          <p:cNvSpPr>
+            <a:spLocks noGrp="1"/>
+          </p:cNvSpPr>
+          <p:nvPr>
+            <p:ph type="title"/>
+          </p:nvPr>
+        </p:nvSpPr>
+        <p:spPr/>
+        <p:txBody>
+          <a:bodyPr/>
+          <a:lstStyle/>
+          <a:p>
+            <a:r>
+              <a:rPr dirty="0">
+                <a:latin typeface="Androgyne" panose="05080000000003050000" pitchFamily="82" charset="0"/>
+              </a:rPr>
+              <a:t>Introduction</a:t>
+            </a:r>
+          </a:p>
+        </p:txBody>
+      </p:sp>
+      <p:sp>
+        <p:nvSpPr>
+          <p:cNvPr id="3" name="Content Placeholder 2"/>
+          <p:cNvSpPr>
+            <a:spLocks noGrp="1"/>
+          </p:cNvSpPr>
+          <p:nvPr>
+            <p:ph idx="1"/>
+          </p:nvPr>
+        </p:nvSpPr>
+        <p:spPr>
+          <a:xfrm>
+            <a:off x="714805" y="2002831"/>
+            <a:ext cx="7543801" cy="4023360"/>
+          </a:xfrm>
+        </p:spPr>
+        <p:txBody>
+          <a:bodyPr/>
+          <a:lstStyle/>
+          <a:p>
+            <a:r>
+              <a:rPr dirty="0">
+                <a:latin typeface="Androgyne" panose="05080000000003050000" pitchFamily="82" charset="0"/>
+              </a:rPr>
+              <a:t>This presentation provides an analysis of the onion market dataset, covering:</a:t>
+            </a:r>
+          </a:p>
+          <a:p>
+            <a:r>
+              <a:rPr dirty="0">
+                <a:latin typeface="Androgyne" panose="05080000000003050000" pitchFamily="82" charset="0"/>
+              </a:rPr>
+              <a:t>- Price trends over time</a:t>
+            </a:r>
+          </a:p>
+          <a:p>
+            <a:r>
+              <a:rPr dirty="0">
+                <a:latin typeface="Androgyne" panose="05080000000003050000" pitchFamily="82" charset="0"/>
+              </a:rPr>
+              <a:t>- Distribution of prices by year</a:t>
+            </a:r>
+          </a:p>
+          <a:p>
+            <a:r>
+              <a:rPr dirty="0">
+                <a:latin typeface="Androgyne" panose="05080000000003050000" pitchFamily="82" charset="0"/>
+              </a:rPr>
+              <a:t>- Market distribution</a:t>
+            </a:r>
+            <a:endParaRPr lang="en-IN" dirty="0">
+              <a:latin typeface="Androgyne" panose="05080000000003050000" pitchFamily="82" charset="0"/>
+            </a:endParaRPr>
+          </a:p>
+          <a:p>
+            <a:r>
+              <a:rPr lang="en-US" dirty="0">
+                <a:latin typeface="Androgyne" panose="05080000000003050000" pitchFamily="82" charset="0"/>
+              </a:rPr>
+              <a:t>- </a:t>
+            </a:r>
+            <a:r>
+              <a:rPr lang="en-IN" dirty="0">
+                <a:latin typeface="Androgyne" panose="05080000000003050000" pitchFamily="82" charset="0"/>
+              </a:rPr>
+              <a:t>Arrival Frequency</a:t>
+            </a:r>
+            <a:endParaRPr dirty="0">
+              <a:latin typeface="Androgyne" panose="05080000000003050000" pitchFamily="82" charset="0"/>
+            </a:endParaRPr>
+          </a:p>
+          <a:p>
+            <a:r>
+              <a:rPr dirty="0">
+                <a:latin typeface="Androgyne" panose="05080000000003050000" pitchFamily="82" charset="0"/>
+              </a:rPr>
+              <a:t>- Key insights and conclusions</a:t>
+            </a:r>
+          </a:p>
+        </p:txBody>
+      </p:sp>
+    </p:spTree>
+  </p:cSld>
+  <p:clrMapOvr>
+    <a:masterClrMapping/>
+  </p:clrMapOvr>
+</p:sld>
+</file>
+
+<file path=ppt/slides/slide3.xml><?xml version="1.0" encoding="utf-8"?>
+<p:sld xmlns:a="http://schemas.openxmlformats.org/drawingml/2006/main" xmlns:r="http://schemas.openxmlformats.org/officeDocument/2006/relationships" xmlns:p="http://schemas.openxmlformats.org/presentationml/2006/main">
+  <p:cSld>
+    <p:spTree>
+      <p:nvGrpSpPr>
+        <p:cNvPr id="1" name="">
+          <a:extLst>
+            <a:ext uri="{FF2B5EF4-FFF2-40B4-BE49-F238E27FC236}">
+              <a16:creationId xmlns:a16="http://schemas.microsoft.com/office/drawing/2014/main" id="{EF547F37-A788-E3A2-382A-4683D1F5987A}"/>
+            </a:ext>
+          </a:extLst>
+        </p:cNvPr>
+        <p:cNvGrpSpPr/>
+        <p:nvPr/>
+      </p:nvGrpSpPr>
+      <p:grpSpPr>
+        <a:xfrm>
+          <a:off x="0" y="0"/>
+          <a:ext cx="0" cy="0"/>
+          <a:chOff x="0" y="0"/>
+          <a:chExt cx="0" cy="0"/>
+        </a:xfrm>
+      </p:grpSpPr>
+      <p:sp>
+        <p:nvSpPr>
+          <p:cNvPr id="2" name="Title 1">
+            <a:extLst>
+              <a:ext uri="{FF2B5EF4-FFF2-40B4-BE49-F238E27FC236}">
+                <a16:creationId xmlns:a16="http://schemas.microsoft.com/office/drawing/2014/main" id="{38831816-6322-04F2-D978-479ABDBF7633}"/>
+              </a:ext>
+            </a:extLst>
+          </p:cNvPr>
+          <p:cNvSpPr>
+            <a:spLocks noGrp="1"/>
+          </p:cNvSpPr>
+          <p:nvPr>
+            <p:ph type="title"/>
+          </p:nvPr>
+        </p:nvSpPr>
+        <p:spPr/>
+        <p:txBody>
+          <a:bodyPr/>
+          <a:lstStyle/>
+          <a:p>
+            <a:pPr algn="just">
+              <a:buNone/>
+            </a:pPr>
+            <a:r>
+              <a:rPr lang="en-US" b="1" dirty="0">
+                <a:latin typeface="Androgyne" panose="05080000000003050000" pitchFamily="82" charset="0"/>
+              </a:rPr>
+              <a:t>Initial Analysis of the Dataset</a:t>
+            </a:r>
+          </a:p>
+        </p:txBody>
+      </p:sp>
+      <p:sp>
+        <p:nvSpPr>
+          <p:cNvPr id="3" name="Content Placeholder 2">
+            <a:extLst>
+              <a:ext uri="{FF2B5EF4-FFF2-40B4-BE49-F238E27FC236}">
+                <a16:creationId xmlns:a16="http://schemas.microsoft.com/office/drawing/2014/main" id="{4F0EBDD3-AE09-E3EA-514C-5A64899CEE2F}"/>
+              </a:ext>
+            </a:extLst>
+          </p:cNvPr>
+          <p:cNvSpPr>
+            <a:spLocks noGrp="1"/>
+          </p:cNvSpPr>
+          <p:nvPr>
+            <p:ph idx="1"/>
+          </p:nvPr>
+        </p:nvSpPr>
+        <p:spPr>
+          <a:xfrm>
+            <a:off x="822960" y="2003050"/>
+            <a:ext cx="7543801" cy="4023360"/>
+          </a:xfrm>
+        </p:spPr>
+        <p:txBody>
+          <a:bodyPr>
+            <a:normAutofit fontScale="77500" lnSpcReduction="20000"/>
+          </a:bodyPr>
+          <a:lstStyle/>
+          <a:p>
+            <a:pPr algn="just">
+              <a:buNone/>
+            </a:pPr>
+            <a:r>
+              <a:rPr lang="en-US" u="sng" dirty="0">
+                <a:latin typeface="Androgyne" panose="05080000000003050000" pitchFamily="82" charset="0"/>
+              </a:rPr>
+              <a:t>Dataset Overview:</a:t>
+            </a:r>
+          </a:p>
+          <a:p>
+            <a:pPr algn="just">
+              <a:buNone/>
+            </a:pPr>
+            <a:r>
+              <a:rPr lang="en-US" dirty="0">
+                <a:latin typeface="Androgyne" panose="05080000000003050000" pitchFamily="82" charset="0"/>
+              </a:rPr>
+              <a:t>* The dataset contains 5,821 rows and 11 columns.</a:t>
+            </a:r>
+          </a:p>
+          <a:p>
+            <a:pPr algn="just">
+              <a:buNone/>
+            </a:pPr>
+            <a:r>
+              <a:rPr lang="en-US" dirty="0">
+                <a:latin typeface="Androgyne" panose="05080000000003050000" pitchFamily="82" charset="0"/>
+              </a:rPr>
+              <a:t>* It records onion market data from 2020 to 2025 across various states, districts, and markets.</a:t>
+            </a:r>
+          </a:p>
+          <a:p>
+            <a:pPr algn="just">
+              <a:buNone/>
+            </a:pPr>
+            <a:r>
+              <a:rPr lang="en-US" dirty="0">
+                <a:latin typeface="Androgyne" panose="05080000000003050000" pitchFamily="82" charset="0"/>
+              </a:rPr>
+              <a:t>* The dataset has no missing values.</a:t>
+            </a:r>
+          </a:p>
+          <a:p>
+            <a:pPr algn="just">
+              <a:buNone/>
+            </a:pPr>
+            <a:r>
+              <a:rPr lang="en-US" dirty="0">
+                <a:latin typeface="Androgyne" panose="05080000000003050000" pitchFamily="82" charset="0"/>
+              </a:rPr>
+              <a:t>* The data types include text (categorical) and numerical values.</a:t>
+            </a:r>
+          </a:p>
+          <a:p>
+            <a:pPr algn="just">
+              <a:buNone/>
+            </a:pPr>
+            <a:r>
+              <a:rPr lang="en-US" u="sng" dirty="0">
+                <a:latin typeface="Androgyne" panose="05080000000003050000" pitchFamily="82" charset="0"/>
+              </a:rPr>
+              <a:t>Key Analysis:</a:t>
+            </a:r>
+          </a:p>
+          <a:p>
+            <a:pPr algn="just">
+              <a:buNone/>
+            </a:pPr>
+            <a:r>
+              <a:rPr lang="en-US" dirty="0">
+                <a:latin typeface="Androgyne" panose="05080000000003050000" pitchFamily="82" charset="0"/>
+              </a:rPr>
+              <a:t>* State, District, Market: Identifies the location of the market.</a:t>
+            </a:r>
+          </a:p>
+          <a:p>
+            <a:pPr algn="just">
+              <a:buNone/>
+            </a:pPr>
+            <a:r>
+              <a:rPr lang="en-US" dirty="0">
+                <a:latin typeface="Androgyne" panose="05080000000003050000" pitchFamily="82" charset="0"/>
+              </a:rPr>
+              <a:t>* Commodity, Variety, Grade: Describes the type of onion.</a:t>
+            </a:r>
+          </a:p>
+          <a:p>
+            <a:pPr algn="just">
+              <a:buNone/>
+            </a:pPr>
+            <a:r>
+              <a:rPr lang="en-US" dirty="0">
+                <a:latin typeface="Androgyne" panose="05080000000003050000" pitchFamily="82" charset="0"/>
+              </a:rPr>
+              <a:t>* </a:t>
+            </a:r>
+            <a:r>
+              <a:rPr lang="en-US" dirty="0" err="1">
+                <a:latin typeface="Androgyne" panose="05080000000003050000" pitchFamily="82" charset="0"/>
+              </a:rPr>
+              <a:t>Arrival_Date</a:t>
+            </a:r>
+            <a:r>
+              <a:rPr lang="en-US" dirty="0">
+                <a:latin typeface="Androgyne" panose="05080000000003050000" pitchFamily="82" charset="0"/>
+              </a:rPr>
+              <a:t>: Represents the date of the entry (needs conversion to </a:t>
+            </a:r>
+            <a:r>
+              <a:rPr lang="en-US" dirty="0" err="1">
+                <a:latin typeface="Androgyne" panose="05080000000003050000" pitchFamily="82" charset="0"/>
+              </a:rPr>
+              <a:t>DateTime</a:t>
+            </a:r>
+            <a:r>
+              <a:rPr lang="en-US" dirty="0">
+                <a:latin typeface="Androgyne" panose="05080000000003050000" pitchFamily="82" charset="0"/>
+              </a:rPr>
+              <a:t>).</a:t>
+            </a:r>
+          </a:p>
+          <a:p>
+            <a:pPr algn="just">
+              <a:buNone/>
+            </a:pPr>
+            <a:r>
+              <a:rPr lang="en-US" dirty="0">
+                <a:latin typeface="Androgyne" panose="05080000000003050000" pitchFamily="82" charset="0"/>
+              </a:rPr>
+              <a:t>* </a:t>
+            </a:r>
+            <a:r>
+              <a:rPr lang="en-US" dirty="0" err="1">
+                <a:latin typeface="Androgyne" panose="05080000000003050000" pitchFamily="82" charset="0"/>
+              </a:rPr>
+              <a:t>Min_Price</a:t>
+            </a:r>
+            <a:r>
+              <a:rPr lang="en-US" dirty="0">
+                <a:latin typeface="Androgyne" panose="05080000000003050000" pitchFamily="82" charset="0"/>
+              </a:rPr>
+              <a:t>, </a:t>
+            </a:r>
+            <a:r>
+              <a:rPr lang="en-US" dirty="0" err="1">
+                <a:latin typeface="Androgyne" panose="05080000000003050000" pitchFamily="82" charset="0"/>
+              </a:rPr>
+              <a:t>Max_Price</a:t>
+            </a:r>
+            <a:r>
+              <a:rPr lang="en-US" dirty="0">
+                <a:latin typeface="Androgyne" panose="05080000000003050000" pitchFamily="82" charset="0"/>
+              </a:rPr>
+              <a:t>, </a:t>
+            </a:r>
+            <a:r>
+              <a:rPr lang="en-US" dirty="0" err="1">
+                <a:latin typeface="Androgyne" panose="05080000000003050000" pitchFamily="82" charset="0"/>
+              </a:rPr>
+              <a:t>Modal_Price</a:t>
+            </a:r>
+            <a:r>
+              <a:rPr lang="en-US" dirty="0">
+                <a:latin typeface="Androgyne" panose="05080000000003050000" pitchFamily="82" charset="0"/>
+              </a:rPr>
+              <a:t>: Pricing details in the market.</a:t>
+            </a:r>
+          </a:p>
+          <a:p>
+            <a:pPr algn="just">
+              <a:buNone/>
+            </a:pPr>
+            <a:r>
+              <a:rPr lang="en-US" dirty="0">
+                <a:latin typeface="Androgyne" panose="05080000000003050000" pitchFamily="82" charset="0"/>
+              </a:rPr>
+              <a:t>* </a:t>
+            </a:r>
+            <a:r>
+              <a:rPr lang="en-US" dirty="0" err="1">
+                <a:latin typeface="Androgyne" panose="05080000000003050000" pitchFamily="82" charset="0"/>
+              </a:rPr>
+              <a:t>Commodity_Code</a:t>
+            </a:r>
+            <a:r>
+              <a:rPr lang="en-US" dirty="0">
+                <a:latin typeface="Androgyne" panose="05080000000003050000" pitchFamily="82" charset="0"/>
+              </a:rPr>
+              <a:t>: A unique identifier for the commodity</a:t>
+            </a:r>
+            <a:endParaRPr lang="en-IN" dirty="0">
+              <a:latin typeface="Androgyne" panose="05080000000003050000" pitchFamily="82" charset="0"/>
+            </a:endParaRPr>
+          </a:p>
+        </p:txBody>
+      </p:sp>
+    </p:spTree>
+    <p:extLst>
+      <p:ext uri="{BB962C8B-B14F-4D97-AF65-F5344CB8AC3E}">
+        <p14:creationId xmlns:p14="http://schemas.microsoft.com/office/powerpoint/2010/main" val="1211737531"/>
+      </p:ext>
+    </p:extLst>
+  </p:cSld>
+  <p:clrMapOvr>
+    <a:masterClrMapping/>
+  </p:clrMapOvr>
+</p:sld>
+</file>
+
+<file path=ppt/slides/slide4.xml><?xml version="1.0" encoding="utf-8"?>
+<p:sld xmlns:a="http://schemas.openxmlformats.org/drawingml/2006/main" xmlns:r="http://schemas.openxmlformats.org/officeDocument/2006/relationships" xmlns:p="http://schemas.openxmlformats.org/presentationml/2006/main">
+  <p:cSld>
+    <p:spTree>
+      <p:nvGrpSpPr>
+        <p:cNvPr id="1" name=""/>
+        <p:cNvGrpSpPr/>
+        <p:nvPr/>
+      </p:nvGrpSpPr>
+      <p:grpSpPr>
+        <a:xfrm>
+          <a:off x="0" y="0"/>
+          <a:ext cx="0" cy="0"/>
+          <a:chOff x="0" y="0"/>
+          <a:chExt cx="0" cy="0"/>
+        </a:xfrm>
+      </p:grpSpPr>
+      <p:sp>
+        <p:nvSpPr>
+          <p:cNvPr id="2" name="Title 1">
+            <a:extLst>
+              <a:ext uri="{FF2B5EF4-FFF2-40B4-BE49-F238E27FC236}">
+                <a16:creationId xmlns:a16="http://schemas.microsoft.com/office/drawing/2014/main" id="{1224AA44-AD4B-0D4F-FDAA-608614F0FB49}"/>
+              </a:ext>
+            </a:extLst>
+          </p:cNvPr>
+          <p:cNvSpPr>
+            <a:spLocks noGrp="1"/>
+          </p:cNvSpPr>
+          <p:nvPr>
+            <p:ph type="title"/>
+          </p:nvPr>
+        </p:nvSpPr>
+        <p:spPr/>
+        <p:txBody>
+          <a:bodyPr/>
+          <a:lstStyle/>
+          <a:p>
+            <a:r>
+              <a:rPr lang="en-IN" dirty="0">
+                <a:latin typeface="Androgyne" panose="05080000000003050000" pitchFamily="82" charset="0"/>
+              </a:rPr>
+              <a:t>Types of Onions</a:t>
+            </a:r>
+          </a:p>
+        </p:txBody>
+      </p:sp>
+      <p:sp>
+        <p:nvSpPr>
+          <p:cNvPr id="3" name="Content Placeholder 2">
+            <a:extLst>
+              <a:ext uri="{FF2B5EF4-FFF2-40B4-BE49-F238E27FC236}">
+                <a16:creationId xmlns:a16="http://schemas.microsoft.com/office/drawing/2014/main" id="{03B8BE64-C57C-F160-DC45-BC05FA366A52}"/>
+              </a:ext>
+            </a:extLst>
+          </p:cNvPr>
+          <p:cNvSpPr>
+            <a:spLocks noGrp="1"/>
+          </p:cNvSpPr>
+          <p:nvPr>
+            <p:ph idx="1"/>
+          </p:nvPr>
+        </p:nvSpPr>
+        <p:spPr>
+          <a:xfrm>
+            <a:off x="822960" y="1979856"/>
+            <a:ext cx="7543801" cy="4023360"/>
+          </a:xfrm>
+        </p:spPr>
+        <p:txBody>
+          <a:bodyPr>
+            <a:normAutofit fontScale="85000" lnSpcReduction="20000"/>
+          </a:bodyPr>
+          <a:lstStyle/>
+          <a:p>
+            <a:pPr algn="just">
+              <a:buNone/>
+            </a:pPr>
+            <a:r>
+              <a:rPr lang="en-US" dirty="0">
+                <a:latin typeface="Androgyne" panose="05080000000003050000" pitchFamily="82" charset="0"/>
+              </a:rPr>
+              <a:t>🧅 </a:t>
+            </a:r>
+            <a:r>
+              <a:rPr lang="en-US" u="sng" dirty="0">
+                <a:latin typeface="Androgyne" panose="05080000000003050000" pitchFamily="82" charset="0"/>
+              </a:rPr>
+              <a:t>1st Sort</a:t>
+            </a:r>
+          </a:p>
+          <a:p>
+            <a:pPr algn="just">
+              <a:buFont typeface="Arial" panose="020B0604020202020204" pitchFamily="34" charset="0"/>
+              <a:buChar char="•"/>
+            </a:pPr>
+            <a:r>
+              <a:rPr lang="en-US" dirty="0">
+                <a:latin typeface="Androgyne" panose="05080000000003050000" pitchFamily="82" charset="0"/>
+              </a:rPr>
+              <a:t>Higher quality grade: These onions are generally larger, more uniform in size, and have better appearance.</a:t>
+            </a:r>
+          </a:p>
+          <a:p>
+            <a:pPr algn="just">
+              <a:buFont typeface="Arial" panose="020B0604020202020204" pitchFamily="34" charset="0"/>
+              <a:buChar char="•"/>
+            </a:pPr>
+            <a:r>
+              <a:rPr lang="en-US" dirty="0">
+                <a:latin typeface="Androgyne" panose="05080000000003050000" pitchFamily="82" charset="0"/>
+              </a:rPr>
+              <a:t>Premium pricing: They often command higher prices due to their superior quality and better market appeal.</a:t>
+            </a:r>
+          </a:p>
+          <a:p>
+            <a:pPr algn="just">
+              <a:buFont typeface="Arial" panose="020B0604020202020204" pitchFamily="34" charset="0"/>
+              <a:buChar char="•"/>
+            </a:pPr>
+            <a:r>
+              <a:rPr lang="en-US" dirty="0">
+                <a:latin typeface="Androgyne" panose="05080000000003050000" pitchFamily="82" charset="0"/>
+              </a:rPr>
+              <a:t>Preferred for export or direct consumer sales: Used in supermarkets or export markets due to their visual appeal and consistent quality.</a:t>
+            </a:r>
+          </a:p>
+          <a:p>
+            <a:pPr algn="just">
+              <a:buNone/>
+            </a:pPr>
+            <a:r>
+              <a:rPr lang="en-US" dirty="0">
+                <a:latin typeface="Androgyne" panose="05080000000003050000" pitchFamily="82" charset="0"/>
+              </a:rPr>
+              <a:t>🧅 </a:t>
+            </a:r>
+            <a:r>
+              <a:rPr lang="en-US" u="sng" dirty="0">
+                <a:latin typeface="Androgyne" panose="05080000000003050000" pitchFamily="82" charset="0"/>
+              </a:rPr>
+              <a:t>2nd Sort</a:t>
+            </a:r>
+          </a:p>
+          <a:p>
+            <a:pPr algn="just">
+              <a:buFont typeface="Arial" panose="020B0604020202020204" pitchFamily="34" charset="0"/>
+              <a:buChar char="•"/>
+            </a:pPr>
+            <a:r>
+              <a:rPr lang="en-US" dirty="0">
+                <a:latin typeface="Androgyne" panose="05080000000003050000" pitchFamily="82" charset="0"/>
+              </a:rPr>
+              <a:t>Lower quality grade: Smaller or less visually appealing onions, possibly with minor blemishes or irregularities.</a:t>
+            </a:r>
+          </a:p>
+          <a:p>
+            <a:pPr algn="just">
+              <a:buFont typeface="Arial" panose="020B0604020202020204" pitchFamily="34" charset="0"/>
+              <a:buChar char="•"/>
+            </a:pPr>
+            <a:r>
+              <a:rPr lang="en-US" dirty="0">
+                <a:latin typeface="Androgyne" panose="05080000000003050000" pitchFamily="82" charset="0"/>
+              </a:rPr>
+              <a:t>Lower pricing: These are sold at a lower price point.</a:t>
+            </a:r>
+          </a:p>
+          <a:p>
+            <a:pPr algn="just">
+              <a:buFont typeface="Arial" panose="020B0604020202020204" pitchFamily="34" charset="0"/>
+              <a:buChar char="•"/>
+            </a:pPr>
+            <a:r>
+              <a:rPr lang="en-US" dirty="0">
+                <a:latin typeface="Androgyne" panose="05080000000003050000" pitchFamily="82" charset="0"/>
+              </a:rPr>
+              <a:t>Used for processing: Often used in food processing (e.g., onion powder, dehydrated onions) or for local sales.</a:t>
+            </a:r>
+          </a:p>
+          <a:p>
+            <a:pPr algn="just"/>
+            <a:endParaRPr lang="en-IN" dirty="0">
+              <a:latin typeface="Androgyne" panose="05080000000003050000" pitchFamily="82" charset="0"/>
+            </a:endParaRPr>
+          </a:p>
+        </p:txBody>
+      </p:sp>
+    </p:spTree>
+    <p:extLst>
+      <p:ext uri="{BB962C8B-B14F-4D97-AF65-F5344CB8AC3E}">
+        <p14:creationId xmlns:p14="http://schemas.microsoft.com/office/powerpoint/2010/main" val="2442187369"/>
+      </p:ext>
+    </p:extLst>
+  </p:cSld>
+  <p:clrMapOvr>
+    <a:masterClrMapping/>
+  </p:clrMapOvr>
+</p:sld>
+</file>
+
+<file path=ppt/slides/slide5.xml><?xml version="1.0" encoding="utf-8"?>
+<p:sld xmlns:a="http://schemas.openxmlformats.org/drawingml/2006/main" xmlns:r="http://schemas.openxmlformats.org/officeDocument/2006/relationships" xmlns:p="http://schemas.openxmlformats.org/presentationml/2006/main">
+  <p:cSld>
+    <p:spTree>
+      <p:nvGrpSpPr>
+        <p:cNvPr id="1" name=""/>
+        <p:cNvGrpSpPr/>
+        <p:nvPr/>
+      </p:nvGrpSpPr>
+      <p:grpSpPr>
+        <a:xfrm>
+          <a:off x="0" y="0"/>
+          <a:ext cx="0" cy="0"/>
+          <a:chOff x="0" y="0"/>
+          <a:chExt cx="0" cy="0"/>
+        </a:xfrm>
+      </p:grpSpPr>
+      <p:sp>
+        <p:nvSpPr>
+          <p:cNvPr id="2" name="Title 1"/>
+          <p:cNvSpPr>
+            <a:spLocks noGrp="1"/>
+          </p:cNvSpPr>
+          <p:nvPr>
+            <p:ph type="title"/>
+          </p:nvPr>
+        </p:nvSpPr>
+        <p:spPr/>
+        <p:txBody>
+          <a:bodyPr>
+            <a:normAutofit/>
+          </a:bodyPr>
+          <a:lstStyle/>
+          <a:p>
+            <a:r>
+              <a:rPr dirty="0">
+                <a:latin typeface="Androgyne" panose="05080000000003050000" pitchFamily="82" charset="0"/>
+              </a:rPr>
+              <a:t>Onion Modal Price Trend Over Time</a:t>
+            </a:r>
+          </a:p>
+        </p:txBody>
+      </p:sp>
+      <p:pic>
+        <p:nvPicPr>
+          <p:cNvPr id="3" name="Picture 2" descr="price_trend.png"/>
+          <p:cNvPicPr>
+            <a:picLocks noChangeAspect="1"/>
+          </p:cNvPicPr>
+          <p:nvPr/>
+        </p:nvPicPr>
+        <p:blipFill>
+          <a:blip r:embed="rId2"/>
+          <a:stretch>
+            <a:fillRect/>
+          </a:stretch>
+        </p:blipFill>
+        <p:spPr>
+          <a:xfrm>
+            <a:off x="727587" y="1770342"/>
+            <a:ext cx="7320116" cy="3660058"/>
+          </a:xfrm>
+          <a:prstGeom prst="rect">
+            <a:avLst/>
+          </a:prstGeom>
+        </p:spPr>
+      </p:pic>
+      <p:sp>
+        <p:nvSpPr>
+          <p:cNvPr id="4" name="TextBox 3"/>
+          <p:cNvSpPr txBox="1"/>
+          <p:nvPr/>
+        </p:nvSpPr>
+        <p:spPr>
+          <a:xfrm>
+            <a:off x="806244" y="5463381"/>
+            <a:ext cx="7423355" cy="646331"/>
+          </a:xfrm>
+          <a:prstGeom prst="rect">
+            <a:avLst/>
+          </a:prstGeom>
+          <a:noFill/>
+        </p:spPr>
+        <p:txBody>
+          <a:bodyPr wrap="square">
+            <a:spAutoFit/>
+          </a:bodyPr>
+          <a:lstStyle/>
+          <a:p>
+            <a:pPr marL="285750" indent="-285750">
+              <a:buFont typeface="Arial" panose="020B0604020202020204" pitchFamily="34" charset="0"/>
+              <a:buChar char="•"/>
+            </a:pPr>
+            <a:r>
+              <a:rPr dirty="0">
+                <a:latin typeface="Androgyne" panose="05080000000003050000" pitchFamily="82" charset="0"/>
+              </a:rPr>
+              <a:t>The price trend shows fluctuations over time, indicating seasonal variations or market influences.</a:t>
+            </a:r>
+          </a:p>
+        </p:txBody>
+      </p:sp>
+    </p:spTree>
+  </p:cSld>
+  <p:clrMapOvr>
+    <a:masterClrMapping/>
+  </p:clrMapOvr>
+</p:sld>
+</file>
+
+<file path=ppt/slides/slide6.xml><?xml version="1.0" encoding="utf-8"?>
+<p:sld xmlns:a="http://schemas.openxmlformats.org/drawingml/2006/main" xmlns:r="http://schemas.openxmlformats.org/officeDocument/2006/relationships" xmlns:p="http://schemas.openxmlformats.org/presentationml/2006/main">
+  <p:cSld>
+    <p:spTree>
+      <p:nvGrpSpPr>
+        <p:cNvPr id="1" name=""/>
+        <p:cNvGrpSpPr/>
+        <p:nvPr/>
+      </p:nvGrpSpPr>
+      <p:grpSpPr>
+        <a:xfrm>
+          <a:off x="0" y="0"/>
+          <a:ext cx="0" cy="0"/>
+          <a:chOff x="0" y="0"/>
+          <a:chExt cx="0" cy="0"/>
+        </a:xfrm>
+      </p:grpSpPr>
+      <p:sp>
+        <p:nvSpPr>
+          <p:cNvPr id="2" name="Title 1"/>
+          <p:cNvSpPr>
+            <a:spLocks noGrp="1"/>
+          </p:cNvSpPr>
+          <p:nvPr>
+            <p:ph type="title"/>
+          </p:nvPr>
+        </p:nvSpPr>
+        <p:spPr/>
+        <p:txBody>
+          <a:bodyPr>
+            <a:normAutofit/>
+          </a:bodyPr>
+          <a:lstStyle/>
+          <a:p>
+            <a:r>
+              <a:rPr dirty="0">
+                <a:latin typeface="Androgyne" panose="05080000000003050000" pitchFamily="82" charset="0"/>
+              </a:rPr>
+              <a:t>Distribution of Onion Prices by Year</a:t>
+            </a:r>
+          </a:p>
+        </p:txBody>
+      </p:sp>
+      <p:pic>
+        <p:nvPicPr>
+          <p:cNvPr id="3" name="Picture 2" descr="yearly_distribution.png"/>
+          <p:cNvPicPr>
+            <a:picLocks noChangeAspect="1"/>
+          </p:cNvPicPr>
+          <p:nvPr/>
+        </p:nvPicPr>
+        <p:blipFill>
+          <a:blip r:embed="rId2"/>
+          <a:stretch>
+            <a:fillRect/>
+          </a:stretch>
+        </p:blipFill>
+        <p:spPr>
+          <a:xfrm>
+            <a:off x="800100" y="1830730"/>
+            <a:ext cx="7543800" cy="3771900"/>
+          </a:xfrm>
+          <a:prstGeom prst="rect">
+            <a:avLst/>
+          </a:prstGeom>
+        </p:spPr>
+      </p:pic>
+      <p:sp>
+        <p:nvSpPr>
+          <p:cNvPr id="4" name="TextBox 3"/>
+          <p:cNvSpPr txBox="1"/>
+          <p:nvPr/>
+        </p:nvSpPr>
+        <p:spPr>
+          <a:xfrm>
+            <a:off x="653846" y="5668962"/>
+            <a:ext cx="7910052" cy="646331"/>
+          </a:xfrm>
+          <a:prstGeom prst="rect">
+            <a:avLst/>
+          </a:prstGeom>
+          <a:noFill/>
+        </p:spPr>
+        <p:txBody>
+          <a:bodyPr wrap="square">
+            <a:spAutoFit/>
+          </a:bodyPr>
+          <a:lstStyle/>
+          <a:p>
+            <a:pPr marL="285750" indent="-285750">
+              <a:buFont typeface="Arial" panose="020B0604020202020204" pitchFamily="34" charset="0"/>
+              <a:buChar char="•"/>
+            </a:pPr>
+            <a:r>
+              <a:rPr dirty="0">
+                <a:latin typeface="Androgyne" panose="05080000000003050000" pitchFamily="82" charset="0"/>
+              </a:rPr>
+              <a:t>The boxplot shows the variation in prices by year, highlighting market volatility.</a:t>
+            </a:r>
+          </a:p>
+        </p:txBody>
+      </p:sp>
+    </p:spTree>
+  </p:cSld>
+  <p:clrMapOvr>
+    <a:masterClrMapping/>
+  </p:clrMapOvr>
+</p:sld>
+</file>
+
+<file path=ppt/slides/slide7.xml><?xml version="1.0" encoding="utf-8"?>
+<p:sld xmlns:a="http://schemas.openxmlformats.org/drawingml/2006/main" xmlns:r="http://schemas.openxmlformats.org/officeDocument/2006/relationships" xmlns:p="http://schemas.openxmlformats.org/presentationml/2006/main">
+  <p:cSld>
+    <p:spTree>
+      <p:nvGrpSpPr>
+        <p:cNvPr id="1" name="">
+          <a:extLst>
+            <a:ext uri="{FF2B5EF4-FFF2-40B4-BE49-F238E27FC236}">
+              <a16:creationId xmlns:a16="http://schemas.microsoft.com/office/drawing/2014/main" id="{657A4A82-0035-FD11-7605-7C35300A1CDE}"/>
+            </a:ext>
+          </a:extLst>
+        </p:cNvPr>
+        <p:cNvGrpSpPr/>
+        <p:nvPr/>
+      </p:nvGrpSpPr>
+      <p:grpSpPr>
+        <a:xfrm>
+          <a:off x="0" y="0"/>
+          <a:ext cx="0" cy="0"/>
+          <a:chOff x="0" y="0"/>
+          <a:chExt cx="0" cy="0"/>
+        </a:xfrm>
+      </p:grpSpPr>
+      <p:sp>
+        <p:nvSpPr>
+          <p:cNvPr id="2" name="Title 1">
+            <a:extLst>
+              <a:ext uri="{FF2B5EF4-FFF2-40B4-BE49-F238E27FC236}">
+                <a16:creationId xmlns:a16="http://schemas.microsoft.com/office/drawing/2014/main" id="{87508CE6-0314-B88A-FEDC-61005D19144C}"/>
+              </a:ext>
+            </a:extLst>
+          </p:cNvPr>
+          <p:cNvSpPr>
+            <a:spLocks noGrp="1"/>
+          </p:cNvSpPr>
+          <p:nvPr>
+            <p:ph type="title"/>
+          </p:nvPr>
+        </p:nvSpPr>
+        <p:spPr/>
+        <p:txBody>
+          <a:bodyPr>
+            <a:normAutofit/>
+          </a:bodyPr>
+          <a:lstStyle/>
+          <a:p>
+            <a:r>
+              <a:rPr lang="en-US" dirty="0">
+                <a:latin typeface="Androgyne" panose="05080000000003050000" pitchFamily="82" charset="0"/>
+              </a:rPr>
+              <a:t>Monthly Onion Price Variation (Seasonality)</a:t>
+            </a:r>
+            <a:endParaRPr dirty="0">
+              <a:latin typeface="Androgyne" panose="05080000000003050000" pitchFamily="82" charset="0"/>
+            </a:endParaRPr>
+          </a:p>
+        </p:txBody>
+      </p:sp>
+      <p:pic>
+        <p:nvPicPr>
+          <p:cNvPr id="7" name="Picture 6">
+            <a:extLst>
+              <a:ext uri="{FF2B5EF4-FFF2-40B4-BE49-F238E27FC236}">
+                <a16:creationId xmlns:a16="http://schemas.microsoft.com/office/drawing/2014/main" id="{E8D079D9-2CC9-E006-9F52-0910D80C546B}"/>
+              </a:ext>
+            </a:extLst>
+          </p:cNvPr>
+          <p:cNvPicPr>
+            <a:picLocks noChangeAspect="1"/>
+          </p:cNvPicPr>
+          <p:nvPr/>
+        </p:nvPicPr>
+        <p:blipFill>
+          <a:blip r:embed="rId2"/>
+          <a:stretch>
+            <a:fillRect/>
+          </a:stretch>
+        </p:blipFill>
+        <p:spPr>
+          <a:xfrm>
+            <a:off x="822960" y="1821585"/>
+            <a:ext cx="7192297" cy="3299055"/>
+          </a:xfrm>
+          <a:prstGeom prst="rect">
+            <a:avLst/>
+          </a:prstGeom>
+        </p:spPr>
+      </p:pic>
+      <p:sp>
+        <p:nvSpPr>
+          <p:cNvPr id="8" name="Rectangle 1">
+            <a:extLst>
+              <a:ext uri="{FF2B5EF4-FFF2-40B4-BE49-F238E27FC236}">
+                <a16:creationId xmlns:a16="http://schemas.microsoft.com/office/drawing/2014/main" id="{B6707F36-EE9B-4882-9C8C-E56E1FC2A886}"/>
+              </a:ext>
+            </a:extLst>
+          </p:cNvPr>
           <p:cNvSpPr>
             <a:spLocks noChangeArrowheads="1"/>
           </p:cNvSpPr>
           <p:nvPr/>
         </p:nvSpPr>
         <p:spPr bwMode="auto">
-          <a:xfrm rot="10800000" flipV="1">
-            <a:off x="781663" y="5144461"/>
-            <a:ext cx="7875639" cy="1200329"/>
+          <a:xfrm>
+            <a:off x="230907" y="5394871"/>
+            <a:ext cx="8682185" cy="646331"/>
           </a:xfrm>
           <a:prstGeom prst="rect">
             <a:avLst/>
@@ -6263,6 +6602,209 @@
           </a:extLst>
         </p:spPr>
         <p:txBody>
+          <a:bodyPr vert="horz" wrap="none" lIns="91440" tIns="45720" rIns="91440" bIns="45720" numCol="1" anchor="ctr" anchorCtr="0" compatLnSpc="1">
+            <a:prstTxWarp prst="textNoShape">
+              <a:avLst/>
+            </a:prstTxWarp>
+            <a:spAutoFit/>
+          </a:bodyPr>
+          <a:lstStyle/>
+          <a:p>
+            <a:pPr lvl="0" defTabSz="914400" eaLnBrk="0" fontAlgn="base" hangingPunct="0">
+              <a:spcBef>
+                <a:spcPct val="0"/>
+              </a:spcBef>
+              <a:spcAft>
+                <a:spcPct val="0"/>
+              </a:spcAft>
+              <a:buFontTx/>
+              <a:buChar char="•"/>
+            </a:pPr>
+            <a:r>
+              <a:rPr lang="en-US" altLang="en-US" dirty="0">
+                <a:latin typeface="Androgyne" panose="05080000000003050000" pitchFamily="82" charset="0"/>
+              </a:rPr>
+              <a:t>This line plot visualizes price changes across different months, grouped by year. </a:t>
+            </a:r>
+          </a:p>
+          <a:p>
+            <a:pPr lvl="0" defTabSz="914400" eaLnBrk="0" fontAlgn="base" hangingPunct="0">
+              <a:spcBef>
+                <a:spcPct val="0"/>
+              </a:spcBef>
+              <a:spcAft>
+                <a:spcPct val="0"/>
+              </a:spcAft>
+              <a:buFontTx/>
+              <a:buChar char="•"/>
+            </a:pPr>
+            <a:r>
+              <a:rPr lang="en-US" altLang="en-US" dirty="0">
+                <a:latin typeface="Androgyne" panose="05080000000003050000" pitchFamily="82" charset="0"/>
+              </a:rPr>
+              <a:t>It reveals seasonal trends, such as price surges or drops during specific months. </a:t>
+            </a:r>
+          </a:p>
+        </p:txBody>
+      </p:sp>
+    </p:spTree>
+    <p:extLst>
+      <p:ext uri="{BB962C8B-B14F-4D97-AF65-F5344CB8AC3E}">
+        <p14:creationId xmlns:p14="http://schemas.microsoft.com/office/powerpoint/2010/main" val="3237482633"/>
+      </p:ext>
+    </p:extLst>
+  </p:cSld>
+  <p:clrMapOvr>
+    <a:masterClrMapping/>
+  </p:clrMapOvr>
+</p:sld>
+</file>
+
+<file path=ppt/slides/slide8.xml><?xml version="1.0" encoding="utf-8"?>
+<p:sld xmlns:a="http://schemas.openxmlformats.org/drawingml/2006/main" xmlns:r="http://schemas.openxmlformats.org/officeDocument/2006/relationships" xmlns:p="http://schemas.openxmlformats.org/presentationml/2006/main">
+  <p:cSld>
+    <p:spTree>
+      <p:nvGrpSpPr>
+        <p:cNvPr id="1" name="">
+          <a:extLst>
+            <a:ext uri="{FF2B5EF4-FFF2-40B4-BE49-F238E27FC236}">
+              <a16:creationId xmlns:a16="http://schemas.microsoft.com/office/drawing/2014/main" id="{9AC96CDF-D504-6BE8-3D6B-93E0C69B67E2}"/>
+            </a:ext>
+          </a:extLst>
+        </p:cNvPr>
+        <p:cNvGrpSpPr/>
+        <p:nvPr/>
+      </p:nvGrpSpPr>
+      <p:grpSpPr>
+        <a:xfrm>
+          <a:off x="0" y="0"/>
+          <a:ext cx="0" cy="0"/>
+          <a:chOff x="0" y="0"/>
+          <a:chExt cx="0" cy="0"/>
+        </a:xfrm>
+      </p:grpSpPr>
+      <p:sp>
+        <p:nvSpPr>
+          <p:cNvPr id="2" name="Title 1">
+            <a:extLst>
+              <a:ext uri="{FF2B5EF4-FFF2-40B4-BE49-F238E27FC236}">
+                <a16:creationId xmlns:a16="http://schemas.microsoft.com/office/drawing/2014/main" id="{ECB196BB-D380-FF89-323A-AFB9FA5035E7}"/>
+              </a:ext>
+            </a:extLst>
+          </p:cNvPr>
+          <p:cNvSpPr>
+            <a:spLocks noGrp="1"/>
+          </p:cNvSpPr>
+          <p:nvPr>
+            <p:ph type="title"/>
+          </p:nvPr>
+        </p:nvSpPr>
+        <p:spPr/>
+        <p:txBody>
+          <a:bodyPr>
+            <a:normAutofit/>
+          </a:bodyPr>
+          <a:lstStyle/>
+          <a:p>
+            <a:r>
+              <a:rPr lang="en-IN" dirty="0">
+                <a:latin typeface="Androgyne" panose="05080000000003050000" pitchFamily="82" charset="0"/>
+              </a:rPr>
+              <a:t>Year-over-Year Average Price Change</a:t>
+            </a:r>
+            <a:endParaRPr dirty="0">
+              <a:latin typeface="Androgyne" panose="05080000000003050000" pitchFamily="82" charset="0"/>
+            </a:endParaRPr>
+          </a:p>
+        </p:txBody>
+      </p:sp>
+      <p:pic>
+        <p:nvPicPr>
+          <p:cNvPr id="4" name="Picture 3">
+            <a:extLst>
+              <a:ext uri="{FF2B5EF4-FFF2-40B4-BE49-F238E27FC236}">
+                <a16:creationId xmlns:a16="http://schemas.microsoft.com/office/drawing/2014/main" id="{3B10E14F-9E8D-44EA-2B9B-9C86EDE08F16}"/>
+              </a:ext>
+            </a:extLst>
+          </p:cNvPr>
+          <p:cNvPicPr>
+            <a:picLocks noChangeAspect="1"/>
+          </p:cNvPicPr>
+          <p:nvPr/>
+        </p:nvPicPr>
+        <p:blipFill>
+          <a:blip r:embed="rId2"/>
+          <a:stretch>
+            <a:fillRect/>
+          </a:stretch>
+        </p:blipFill>
+        <p:spPr>
+          <a:xfrm>
+            <a:off x="822960" y="1898277"/>
+            <a:ext cx="7034979" cy="3468114"/>
+          </a:xfrm>
+          <a:prstGeom prst="rect">
+            <a:avLst/>
+          </a:prstGeom>
+        </p:spPr>
+      </p:pic>
+      <p:sp>
+        <p:nvSpPr>
+          <p:cNvPr id="6" name="Rectangle 1">
+            <a:extLst>
+              <a:ext uri="{FF2B5EF4-FFF2-40B4-BE49-F238E27FC236}">
+                <a16:creationId xmlns:a16="http://schemas.microsoft.com/office/drawing/2014/main" id="{2B3F93EA-53EB-56AC-8846-A71BB200571C}"/>
+              </a:ext>
+            </a:extLst>
+          </p:cNvPr>
+          <p:cNvSpPr>
+            <a:spLocks noChangeArrowheads="1"/>
+          </p:cNvSpPr>
+          <p:nvPr/>
+        </p:nvSpPr>
+        <p:spPr bwMode="auto">
+          <a:xfrm rot="10800000" flipV="1">
+            <a:off x="781663" y="5144461"/>
+            <a:ext cx="7875639" cy="1200329"/>
+          </a:xfrm>
+          <a:prstGeom prst="rect">
+            <a:avLst/>
+          </a:prstGeom>
+          <a:noFill/>
+          <a:ln>
+            <a:noFill/>
+          </a:ln>
+          <a:effectLst/>
+          <a:extLst>
+            <a:ext uri="{909E8E84-426E-40DD-AFC4-6F175D3DCCD1}">
+              <a14:hiddenFill xmlns:a14="http://schemas.microsoft.com/office/drawing/2010/main">
+                <a:solidFill>
+                  <a:schemeClr val="accent1"/>
+                </a:solidFill>
+              </a14:hiddenFill>
+            </a:ext>
+            <a:ext uri="{91240B29-F687-4F45-9708-019B960494DF}">
+              <a14:hiddenLine xmlns:a14="http://schemas.microsoft.com/office/drawing/2010/main" w="9525">
+                <a:solidFill>
+                  <a:schemeClr val="tx1"/>
+                </a:solidFill>
+                <a:miter lim="800000"/>
+                <a:headEnd/>
+                <a:tailEnd/>
+              </a14:hiddenLine>
+            </a:ext>
+            <a:ext uri="{AF507438-7753-43E0-B8FC-AC1667EBCBE1}">
+              <a14:hiddenEffects xmlns:a14="http://schemas.microsoft.com/office/drawing/2010/main">
+                <a:effectLst>
+                  <a:outerShdw dist="35921" dir="2700000" algn="ctr" rotWithShape="0">
+                    <a:schemeClr val="bg2"/>
+                  </a:outerShdw>
+                </a:effectLst>
+              </a14:hiddenEffects>
+            </a:ext>
+          </a:extLst>
+        </p:spPr>
+        <p:txBody>
           <a:bodyPr vert="horz" wrap="square" lIns="91440" tIns="45720" rIns="91440" bIns="45720" numCol="1" anchor="ctr" anchorCtr="0" compatLnSpc="1">
             <a:prstTxWarp prst="textNoShape">
               <a:avLst/>
@@ -6366,6 +6908,235 @@
     <p:extLst>
       <p:ext uri="{BB962C8B-B14F-4D97-AF65-F5344CB8AC3E}">
         <p14:creationId xmlns:p14="http://schemas.microsoft.com/office/powerpoint/2010/main" val="605131408"/>
+      </p:ext>
+    </p:extLst>
+  </p:cSld>
+  <p:clrMapOvr>
+    <a:masterClrMapping/>
+  </p:clrMapOvr>
+</p:sld>
+</file>
+
+<file path=ppt/slides/slide9.xml><?xml version="1.0" encoding="utf-8"?>
+<p:sld xmlns:a="http://schemas.openxmlformats.org/drawingml/2006/main" xmlns:r="http://schemas.openxmlformats.org/officeDocument/2006/relationships" xmlns:p="http://schemas.openxmlformats.org/presentationml/2006/main">
+  <p:cSld>
+    <p:spTree>
+      <p:nvGrpSpPr>
+        <p:cNvPr id="1" name="">
+          <a:extLst>
+            <a:ext uri="{FF2B5EF4-FFF2-40B4-BE49-F238E27FC236}">
+              <a16:creationId xmlns:a16="http://schemas.microsoft.com/office/drawing/2014/main" id="{C16B9F86-ACB3-7FCE-53CB-96505D64999C}"/>
+            </a:ext>
+          </a:extLst>
+        </p:cNvPr>
+        <p:cNvGrpSpPr/>
+        <p:nvPr/>
+      </p:nvGrpSpPr>
+      <p:grpSpPr>
+        <a:xfrm>
+          <a:off x="0" y="0"/>
+          <a:ext cx="0" cy="0"/>
+          <a:chOff x="0" y="0"/>
+          <a:chExt cx="0" cy="0"/>
+        </a:xfrm>
+      </p:grpSpPr>
+      <p:sp>
+        <p:nvSpPr>
+          <p:cNvPr id="2" name="Title 1">
+            <a:extLst>
+              <a:ext uri="{FF2B5EF4-FFF2-40B4-BE49-F238E27FC236}">
+                <a16:creationId xmlns:a16="http://schemas.microsoft.com/office/drawing/2014/main" id="{85FFC2CB-7EFE-5848-E355-AA2270B34ADB}"/>
+              </a:ext>
+            </a:extLst>
+          </p:cNvPr>
+          <p:cNvSpPr>
+            <a:spLocks noGrp="1"/>
+          </p:cNvSpPr>
+          <p:nvPr>
+            <p:ph type="title"/>
+          </p:nvPr>
+        </p:nvSpPr>
+        <p:spPr/>
+        <p:txBody>
+          <a:bodyPr>
+            <a:normAutofit/>
+          </a:bodyPr>
+          <a:lstStyle/>
+          <a:p>
+            <a:r>
+              <a:rPr lang="en-US" dirty="0">
+                <a:latin typeface="Androgyne" panose="05080000000003050000" pitchFamily="82" charset="0"/>
+              </a:rPr>
+              <a:t>Heatmap of Monthly Average Prices by Year</a:t>
+            </a:r>
+            <a:endParaRPr dirty="0">
+              <a:latin typeface="Androgyne" panose="05080000000003050000" pitchFamily="82" charset="0"/>
+            </a:endParaRPr>
+          </a:p>
+        </p:txBody>
+      </p:sp>
+      <p:pic>
+        <p:nvPicPr>
+          <p:cNvPr id="7" name="Picture 6">
+            <a:extLst>
+              <a:ext uri="{FF2B5EF4-FFF2-40B4-BE49-F238E27FC236}">
+                <a16:creationId xmlns:a16="http://schemas.microsoft.com/office/drawing/2014/main" id="{CD034EDC-C4E0-64B2-E506-7DA9CE6A7A49}"/>
+              </a:ext>
+            </a:extLst>
+          </p:cNvPr>
+          <p:cNvPicPr>
+            <a:picLocks noChangeAspect="1"/>
+          </p:cNvPicPr>
+          <p:nvPr/>
+        </p:nvPicPr>
+        <p:blipFill>
+          <a:blip r:embed="rId2"/>
+          <a:stretch>
+            <a:fillRect/>
+          </a:stretch>
+        </p:blipFill>
+        <p:spPr>
+          <a:xfrm>
+            <a:off x="1140542" y="1901324"/>
+            <a:ext cx="6676104" cy="3454354"/>
+          </a:xfrm>
+          <a:prstGeom prst="rect">
+            <a:avLst/>
+          </a:prstGeom>
+        </p:spPr>
+      </p:pic>
+      <p:sp>
+        <p:nvSpPr>
+          <p:cNvPr id="8" name="Rectangle 1">
+            <a:extLst>
+              <a:ext uri="{FF2B5EF4-FFF2-40B4-BE49-F238E27FC236}">
+                <a16:creationId xmlns:a16="http://schemas.microsoft.com/office/drawing/2014/main" id="{5A7DE8AE-99CC-58ED-2BDD-B149B45134E4}"/>
+              </a:ext>
+            </a:extLst>
+          </p:cNvPr>
+          <p:cNvSpPr>
+            <a:spLocks noChangeArrowheads="1"/>
+          </p:cNvSpPr>
+          <p:nvPr/>
+        </p:nvSpPr>
+        <p:spPr bwMode="auto">
+          <a:xfrm>
+            <a:off x="798653" y="5355678"/>
+            <a:ext cx="7546693" cy="923330"/>
+          </a:xfrm>
+          <a:prstGeom prst="rect">
+            <a:avLst/>
+          </a:prstGeom>
+          <a:noFill/>
+          <a:ln>
+            <a:noFill/>
+          </a:ln>
+          <a:effectLst/>
+          <a:extLst>
+            <a:ext uri="{909E8E84-426E-40DD-AFC4-6F175D3DCCD1}">
+              <a14:hiddenFill xmlns:a14="http://schemas.microsoft.com/office/drawing/2010/main">
+                <a:solidFill>
+                  <a:schemeClr val="accent1"/>
+                </a:solidFill>
+              </a14:hiddenFill>
+            </a:ext>
+            <a:ext uri="{91240B29-F687-4F45-9708-019B960494DF}">
+              <a14:hiddenLine xmlns:a14="http://schemas.microsoft.com/office/drawing/2010/main" w="9525">
+                <a:solidFill>
+                  <a:schemeClr val="tx1"/>
+                </a:solidFill>
+                <a:miter lim="800000"/>
+                <a:headEnd/>
+                <a:tailEnd/>
+              </a14:hiddenLine>
+            </a:ext>
+            <a:ext uri="{AF507438-7753-43E0-B8FC-AC1667EBCBE1}">
+              <a14:hiddenEffects xmlns:a14="http://schemas.microsoft.com/office/drawing/2010/main">
+                <a:effectLst>
+                  <a:outerShdw dist="35921" dir="2700000" algn="ctr" rotWithShape="0">
+                    <a:schemeClr val="bg2"/>
+                  </a:outerShdw>
+                </a:effectLst>
+              </a14:hiddenEffects>
+            </a:ext>
+          </a:extLst>
+        </p:spPr>
+        <p:txBody>
+          <a:bodyPr vert="horz" wrap="square" lIns="91440" tIns="45720" rIns="91440" bIns="45720" numCol="1" anchor="ctr" anchorCtr="0" compatLnSpc="1">
+            <a:prstTxWarp prst="textNoShape">
+              <a:avLst/>
+            </a:prstTxWarp>
+            <a:spAutoFit/>
+          </a:bodyPr>
+          <a:lstStyle/>
+          <a:p>
+            <a:pPr marL="0" marR="0" lvl="0" indent="0" algn="just" defTabSz="914400" rtl="0" eaLnBrk="0" fontAlgn="base" latinLnBrk="0" hangingPunct="0">
+              <a:lnSpc>
+                <a:spcPct val="100000"/>
+              </a:lnSpc>
+              <a:spcBef>
+                <a:spcPct val="0"/>
+              </a:spcBef>
+              <a:spcAft>
+                <a:spcPct val="0"/>
+              </a:spcAft>
+              <a:buClrTx/>
+              <a:buSzTx/>
+              <a:buFontTx/>
+              <a:buChar char="•"/>
+              <a:tabLst/>
+            </a:pPr>
+            <a:r>
+              <a:rPr kumimoji="0" lang="en-US" altLang="en-US" sz="1800" b="0" i="0" u="none" strike="noStrike" cap="none" normalizeH="0" baseline="0" dirty="0">
+                <a:ln>
+                  <a:noFill/>
+                </a:ln>
+                <a:solidFill>
+                  <a:schemeClr val="tx1"/>
+                </a:solidFill>
+                <a:effectLst/>
+                <a:latin typeface="Androgyne" panose="05080000000003050000" pitchFamily="82" charset="0"/>
+              </a:rPr>
+              <a:t>This heatmap shows the correlation between years and months in terms of average onion prices. </a:t>
+            </a:r>
+          </a:p>
+          <a:p>
+            <a:pPr marL="0" marR="0" lvl="0" indent="0" algn="just" defTabSz="914400" rtl="0" eaLnBrk="0" fontAlgn="base" latinLnBrk="0" hangingPunct="0">
+              <a:lnSpc>
+                <a:spcPct val="100000"/>
+              </a:lnSpc>
+              <a:spcBef>
+                <a:spcPct val="0"/>
+              </a:spcBef>
+              <a:spcAft>
+                <a:spcPct val="0"/>
+              </a:spcAft>
+              <a:buClrTx/>
+              <a:buSzTx/>
+              <a:buFontTx/>
+              <a:buChar char="•"/>
+              <a:tabLst/>
+            </a:pPr>
+            <a:r>
+              <a:rPr kumimoji="0" lang="en-US" altLang="en-US" sz="1800" b="0" i="0" u="none" strike="noStrike" cap="none" normalizeH="0" baseline="0" dirty="0">
+                <a:ln>
+                  <a:noFill/>
+                </a:ln>
+                <a:solidFill>
+                  <a:schemeClr val="tx1"/>
+                </a:solidFill>
+                <a:effectLst/>
+                <a:latin typeface="Androgyne" panose="05080000000003050000" pitchFamily="82" charset="0"/>
+              </a:rPr>
+              <a:t>It helps identify seasonal patterns and year-to-year price variations. </a:t>
+            </a:r>
+          </a:p>
+        </p:txBody>
+      </p:sp>
+    </p:spTree>
+    <p:extLst>
+      <p:ext uri="{BB962C8B-B14F-4D97-AF65-F5344CB8AC3E}">
+        <p14:creationId xmlns:p14="http://schemas.microsoft.com/office/powerpoint/2010/main" val="3000673495"/>
       </p:ext>
     </p:extLst>
   </p:cSld>
